--- a/assets/slides/su24/07-HOFs_Environments.pptx
+++ b/assets/slides/su24/07-HOFs_Environments.pptx
@@ -5,33 +5,34 @@
     <p:sldMasterId id="2147483703" r:id="rId1"/>
   </p:sldMasterIdLst>
   <p:notesMasterIdLst>
-    <p:notesMasterId r:id="rId26"/>
+    <p:notesMasterId r:id="rId27"/>
   </p:notesMasterIdLst>
   <p:sldIdLst>
     <p:sldId id="256" r:id="rId2"/>
-    <p:sldId id="277" r:id="rId3"/>
-    <p:sldId id="391" r:id="rId4"/>
-    <p:sldId id="392" r:id="rId5"/>
-    <p:sldId id="396" r:id="rId6"/>
-    <p:sldId id="402" r:id="rId7"/>
-    <p:sldId id="435" r:id="rId8"/>
-    <p:sldId id="397" r:id="rId9"/>
-    <p:sldId id="398" r:id="rId10"/>
-    <p:sldId id="399" r:id="rId11"/>
-    <p:sldId id="286" r:id="rId12"/>
-    <p:sldId id="291" r:id="rId13"/>
-    <p:sldId id="285" r:id="rId14"/>
-    <p:sldId id="268" r:id="rId15"/>
-    <p:sldId id="287" r:id="rId16"/>
-    <p:sldId id="401" r:id="rId17"/>
-    <p:sldId id="289" r:id="rId18"/>
-    <p:sldId id="265" r:id="rId19"/>
-    <p:sldId id="390" r:id="rId20"/>
-    <p:sldId id="389" r:id="rId21"/>
-    <p:sldId id="387" r:id="rId22"/>
-    <p:sldId id="388" r:id="rId23"/>
-    <p:sldId id="288" r:id="rId24"/>
-    <p:sldId id="400" r:id="rId25"/>
+    <p:sldId id="429" r:id="rId3"/>
+    <p:sldId id="277" r:id="rId4"/>
+    <p:sldId id="391" r:id="rId5"/>
+    <p:sldId id="392" r:id="rId6"/>
+    <p:sldId id="396" r:id="rId7"/>
+    <p:sldId id="402" r:id="rId8"/>
+    <p:sldId id="435" r:id="rId9"/>
+    <p:sldId id="397" r:id="rId10"/>
+    <p:sldId id="398" r:id="rId11"/>
+    <p:sldId id="399" r:id="rId12"/>
+    <p:sldId id="286" r:id="rId13"/>
+    <p:sldId id="291" r:id="rId14"/>
+    <p:sldId id="285" r:id="rId15"/>
+    <p:sldId id="268" r:id="rId16"/>
+    <p:sldId id="287" r:id="rId17"/>
+    <p:sldId id="401" r:id="rId18"/>
+    <p:sldId id="289" r:id="rId19"/>
+    <p:sldId id="265" r:id="rId20"/>
+    <p:sldId id="390" r:id="rId21"/>
+    <p:sldId id="389" r:id="rId22"/>
+    <p:sldId id="387" r:id="rId23"/>
+    <p:sldId id="388" r:id="rId24"/>
+    <p:sldId id="288" r:id="rId25"/>
+    <p:sldId id="400" r:id="rId26"/>
   </p:sldIdLst>
   <p:sldSz cx="12192000" cy="6858000"/>
   <p:notesSz cx="6997700" cy="9194800"/>
@@ -674,7 +675,7 @@
                 <a:latin typeface="Times New Roman"/>
                 <a:ea typeface="ＭＳ Ｐゴシック"/>
               </a:rPr>
-              <a:t>3</a:t>
+              <a:t>4</a:t>
             </a:fld>
             <a:endParaRPr lang="en-US" sz="2400" b="0" strike="noStrike" spc="-1">
               <a:solidFill>
@@ -798,7 +799,7 @@
                 <a:latin typeface="Times New Roman"/>
                 <a:ea typeface="ＭＳ Ｐゴシック"/>
               </a:rPr>
-              <a:t>11</a:t>
+              <a:t>12</a:t>
             </a:fld>
             <a:endParaRPr lang="en-US" sz="2400" b="0" strike="noStrike" spc="-1">
               <a:solidFill>
@@ -922,7 +923,7 @@
                 <a:latin typeface="Times New Roman"/>
                 <a:ea typeface="ＭＳ Ｐゴシック"/>
               </a:rPr>
-              <a:t>15</a:t>
+              <a:t>16</a:t>
             </a:fld>
             <a:endParaRPr lang="en-US" sz="2400" b="0" strike="noStrike" spc="-1">
               <a:solidFill>
@@ -1078,7 +1079,7 @@
                 </a:uFill>
                 <a:latin typeface="Times New Roman"/>
               </a:rPr>
-              <a:t>18</a:t>
+              <a:t>19</a:t>
             </a:fld>
             <a:endParaRPr lang="en-US" sz="1400" b="0" strike="noStrike" spc="-1">
               <a:solidFill>
@@ -1197,7 +1198,7 @@
                 </a:uFill>
                 <a:latin typeface="Times New Roman"/>
               </a:rPr>
-              <a:t>21</a:t>
+              <a:t>22</a:t>
             </a:fld>
             <a:endParaRPr lang="en-US" sz="1400" b="0" strike="noStrike" spc="-1">
               <a:solidFill>
@@ -1316,7 +1317,7 @@
                 </a:uFill>
                 <a:latin typeface="Times New Roman"/>
               </a:rPr>
-              <a:t>23</a:t>
+              <a:t>24</a:t>
             </a:fld>
             <a:endParaRPr lang="en-US" sz="1400" b="0" strike="noStrike" spc="-1">
               <a:solidFill>
@@ -9460,6 +9461,235 @@
           </a:p>
         </p:txBody>
       </p:sp>
+      <p:sp>
+        <p:nvSpPr>
+          <p:cNvPr id="4" name="Title 1">
+            <a:extLst>
+              <a:ext uri="{FF2B5EF4-FFF2-40B4-BE49-F238E27FC236}">
+                <a16:creationId xmlns:a16="http://schemas.microsoft.com/office/drawing/2014/main" id="{EA5FB422-6C9F-963E-63D1-DC0A164D4D71}"/>
+              </a:ext>
+            </a:extLst>
+          </p:cNvPr>
+          <p:cNvSpPr txBox="1">
+            <a:spLocks/>
+          </p:cNvSpPr>
+          <p:nvPr/>
+        </p:nvSpPr>
+        <p:spPr bwMode="auto">
+          <a:xfrm>
+            <a:off x="1983828" y="3444392"/>
+            <a:ext cx="8458200" cy="1470025"/>
+          </a:xfrm>
+          <a:prstGeom prst="rect">
+            <a:avLst/>
+          </a:prstGeom>
+          <a:noFill/>
+          <a:ln w="25400">
+            <a:noFill/>
+          </a:ln>
+          <a:extLst>
+            <a:ext uri="{909E8E84-426E-40dd-AFC4-6F175D3DCCD1}">
+              <a14:hiddenFill xmlns:a14="http://schemas.microsoft.com/office/drawing/2010/main" xmlns="">
+                <a:solidFill>
+                  <a:srgbClr val="FFFFFF"/>
+                </a:solidFill>
+              </a14:hiddenFill>
+            </a:ext>
+            <a:ext uri="{91240B29-F687-4f45-9708-019B960494DF}">
+              <a14:hiddenLine xmlns:a14="http://schemas.microsoft.com/office/drawing/2010/main" xmlns="" w="9525">
+                <a:solidFill>
+                  <a:srgbClr val="000000"/>
+                </a:solidFill>
+                <a:miter lim="800000"/>
+                <a:headEnd/>
+                <a:tailEnd/>
+              </a14:hiddenLine>
+            </a:ext>
+            <a:ext uri="{FAA26D3D-D897-4be2-8F04-BA451C77F1D7}">
+              <ma14:placeholderFlag xmlns:ma14="http://schemas.microsoft.com/office/mac/drawingml/2011/main" xmlns="" val="1"/>
+            </a:ext>
+          </a:extLst>
+        </p:spPr>
+        <p:txBody>
+          <a:bodyPr vert="horz" wrap="square" lIns="457200" tIns="46038" rIns="457200" bIns="46038" numCol="1" anchor="ctr" anchorCtr="0" compatLnSpc="1">
+            <a:prstTxWarp prst="textNoShape">
+              <a:avLst/>
+            </a:prstTxWarp>
+            <a:normAutofit/>
+          </a:bodyPr>
+          <a:lstStyle>
+            <a:lvl1pPr algn="ctr" rtl="0" eaLnBrk="1" fontAlgn="base" hangingPunct="1">
+              <a:lnSpc>
+                <a:spcPct val="90000"/>
+              </a:lnSpc>
+              <a:spcBef>
+                <a:spcPct val="0"/>
+              </a:spcBef>
+              <a:spcAft>
+                <a:spcPct val="0"/>
+              </a:spcAft>
+              <a:defRPr sz="3733" b="0" i="0" baseline="0">
+                <a:solidFill>
+                  <a:schemeClr val="bg1"/>
+                </a:solidFill>
+                <a:latin typeface="FreightMicro Pro Book" panose="02000603020000020004" pitchFamily="2" charset="0"/>
+                <a:ea typeface="ＭＳ Ｐゴシック" charset="-128"/>
+                <a:cs typeface="FreightMicro Pro Book" panose="02000603020000020004" pitchFamily="2" charset="0"/>
+              </a:defRPr>
+            </a:lvl1pPr>
+            <a:lvl2pPr algn="l" rtl="0" eaLnBrk="1" fontAlgn="base" hangingPunct="1">
+              <a:lnSpc>
+                <a:spcPct val="90000"/>
+              </a:lnSpc>
+              <a:spcBef>
+                <a:spcPct val="0"/>
+              </a:spcBef>
+              <a:spcAft>
+                <a:spcPct val="0"/>
+              </a:spcAft>
+              <a:defRPr sz="1351" b="1">
+                <a:solidFill>
+                  <a:srgbClr val="0332B7"/>
+                </a:solidFill>
+                <a:latin typeface="Arial" charset="0"/>
+                <a:ea typeface="ＭＳ Ｐゴシック" charset="-128"/>
+                <a:cs typeface="ＭＳ Ｐゴシック" charset="-128"/>
+              </a:defRPr>
+            </a:lvl2pPr>
+            <a:lvl3pPr algn="l" rtl="0" eaLnBrk="1" fontAlgn="base" hangingPunct="1">
+              <a:lnSpc>
+                <a:spcPct val="90000"/>
+              </a:lnSpc>
+              <a:spcBef>
+                <a:spcPct val="0"/>
+              </a:spcBef>
+              <a:spcAft>
+                <a:spcPct val="0"/>
+              </a:spcAft>
+              <a:defRPr sz="1351" b="1">
+                <a:solidFill>
+                  <a:srgbClr val="0332B7"/>
+                </a:solidFill>
+                <a:latin typeface="Arial" charset="0"/>
+                <a:ea typeface="ＭＳ Ｐゴシック" charset="-128"/>
+                <a:cs typeface="ＭＳ Ｐゴシック" charset="-128"/>
+              </a:defRPr>
+            </a:lvl3pPr>
+            <a:lvl4pPr algn="l" rtl="0" eaLnBrk="1" fontAlgn="base" hangingPunct="1">
+              <a:lnSpc>
+                <a:spcPct val="90000"/>
+              </a:lnSpc>
+              <a:spcBef>
+                <a:spcPct val="0"/>
+              </a:spcBef>
+              <a:spcAft>
+                <a:spcPct val="0"/>
+              </a:spcAft>
+              <a:defRPr sz="1351" b="1">
+                <a:solidFill>
+                  <a:srgbClr val="0332B7"/>
+                </a:solidFill>
+                <a:latin typeface="Arial" charset="0"/>
+                <a:ea typeface="ＭＳ Ｐゴシック" charset="-128"/>
+                <a:cs typeface="ＭＳ Ｐゴシック" charset="-128"/>
+              </a:defRPr>
+            </a:lvl4pPr>
+            <a:lvl5pPr algn="l" rtl="0" eaLnBrk="1" fontAlgn="base" hangingPunct="1">
+              <a:lnSpc>
+                <a:spcPct val="90000"/>
+              </a:lnSpc>
+              <a:spcBef>
+                <a:spcPct val="0"/>
+              </a:spcBef>
+              <a:spcAft>
+                <a:spcPct val="0"/>
+              </a:spcAft>
+              <a:defRPr sz="1351" b="1">
+                <a:solidFill>
+                  <a:srgbClr val="0332B7"/>
+                </a:solidFill>
+                <a:latin typeface="Arial" charset="0"/>
+                <a:ea typeface="ＭＳ Ｐゴシック" charset="-128"/>
+                <a:cs typeface="ＭＳ Ｐゴシック" charset="-128"/>
+              </a:defRPr>
+            </a:lvl5pPr>
+            <a:lvl6pPr marL="192877" algn="l" rtl="0" eaLnBrk="1" fontAlgn="base" hangingPunct="1">
+              <a:lnSpc>
+                <a:spcPct val="90000"/>
+              </a:lnSpc>
+              <a:spcBef>
+                <a:spcPct val="0"/>
+              </a:spcBef>
+              <a:spcAft>
+                <a:spcPct val="0"/>
+              </a:spcAft>
+              <a:defRPr sz="1351" b="1">
+                <a:solidFill>
+                  <a:srgbClr val="0332B7"/>
+                </a:solidFill>
+                <a:latin typeface="Arial" charset="0"/>
+              </a:defRPr>
+            </a:lvl6pPr>
+            <a:lvl7pPr marL="385753" algn="l" rtl="0" eaLnBrk="1" fontAlgn="base" hangingPunct="1">
+              <a:lnSpc>
+                <a:spcPct val="90000"/>
+              </a:lnSpc>
+              <a:spcBef>
+                <a:spcPct val="0"/>
+              </a:spcBef>
+              <a:spcAft>
+                <a:spcPct val="0"/>
+              </a:spcAft>
+              <a:defRPr sz="1351" b="1">
+                <a:solidFill>
+                  <a:srgbClr val="0332B7"/>
+                </a:solidFill>
+                <a:latin typeface="Arial" charset="0"/>
+              </a:defRPr>
+            </a:lvl7pPr>
+            <a:lvl8pPr marL="578630" algn="l" rtl="0" eaLnBrk="1" fontAlgn="base" hangingPunct="1">
+              <a:lnSpc>
+                <a:spcPct val="90000"/>
+              </a:lnSpc>
+              <a:spcBef>
+                <a:spcPct val="0"/>
+              </a:spcBef>
+              <a:spcAft>
+                <a:spcPct val="0"/>
+              </a:spcAft>
+              <a:defRPr sz="1351" b="1">
+                <a:solidFill>
+                  <a:srgbClr val="0332B7"/>
+                </a:solidFill>
+                <a:latin typeface="Arial" charset="0"/>
+              </a:defRPr>
+            </a:lvl8pPr>
+            <a:lvl9pPr marL="771506" algn="l" rtl="0" eaLnBrk="1" fontAlgn="base" hangingPunct="1">
+              <a:lnSpc>
+                <a:spcPct val="90000"/>
+              </a:lnSpc>
+              <a:spcBef>
+                <a:spcPct val="0"/>
+              </a:spcBef>
+              <a:spcAft>
+                <a:spcPct val="0"/>
+              </a:spcAft>
+              <a:defRPr sz="1351" b="1">
+                <a:solidFill>
+                  <a:srgbClr val="0332B7"/>
+                </a:solidFill>
+                <a:latin typeface="Arial" charset="0"/>
+              </a:defRPr>
+            </a:lvl9pPr>
+          </a:lstStyle>
+          <a:p>
+            <a:r>
+              <a:rPr lang="en-US" sz="3200" kern="0" dirty="0"/>
+              <a:t>Week 2, Summer 2024. 6/27 (Thurs)</a:t>
+            </a:r>
+          </a:p>
+        </p:txBody>
+      </p:sp>
     </p:spTree>
   </p:cSld>
   <p:clrMapOvr>
@@ -9496,6 +9726,331 @@
 </file>
 
 <file path=ppt/slides/slide10.xml><?xml version="1.0" encoding="utf-8"?>
+<p:sld xmlns:a="http://schemas.openxmlformats.org/drawingml/2006/main" xmlns:r="http://schemas.openxmlformats.org/officeDocument/2006/relationships" xmlns:p="http://schemas.openxmlformats.org/presentationml/2006/main">
+  <p:cSld>
+    <p:spTree>
+      <p:nvGrpSpPr>
+        <p:cNvPr id="1" name=""/>
+        <p:cNvGrpSpPr/>
+        <p:nvPr/>
+      </p:nvGrpSpPr>
+      <p:grpSpPr>
+        <a:xfrm>
+          <a:off x="0" y="0"/>
+          <a:ext cx="0" cy="0"/>
+          <a:chOff x="0" y="0"/>
+          <a:chExt cx="0" cy="0"/>
+        </a:xfrm>
+      </p:grpSpPr>
+      <p:sp>
+        <p:nvSpPr>
+          <p:cNvPr id="2" name="Title 1">
+            <a:extLst>
+              <a:ext uri="{FF2B5EF4-FFF2-40B4-BE49-F238E27FC236}">
+                <a16:creationId xmlns:a16="http://schemas.microsoft.com/office/drawing/2014/main" id="{4C391A7B-517B-1F28-7683-AA06AF06A49F}"/>
+              </a:ext>
+            </a:extLst>
+          </p:cNvPr>
+          <p:cNvSpPr>
+            <a:spLocks noGrp="1"/>
+          </p:cNvSpPr>
+          <p:nvPr>
+            <p:ph type="title"/>
+          </p:nvPr>
+        </p:nvSpPr>
+        <p:spPr/>
+        <p:txBody>
+          <a:bodyPr/>
+          <a:lstStyle/>
+          <a:p>
+            <a:r>
+              <a:rPr lang="en-US" dirty="0"/>
+              <a:t>Acronym With HOFs</a:t>
+            </a:r>
+          </a:p>
+        </p:txBody>
+      </p:sp>
+      <p:sp>
+        <p:nvSpPr>
+          <p:cNvPr id="3" name="Content Placeholder 2">
+            <a:extLst>
+              <a:ext uri="{FF2B5EF4-FFF2-40B4-BE49-F238E27FC236}">
+                <a16:creationId xmlns:a16="http://schemas.microsoft.com/office/drawing/2014/main" id="{0EBA5618-B947-D60E-CA5F-2F85BE526602}"/>
+              </a:ext>
+            </a:extLst>
+          </p:cNvPr>
+          <p:cNvSpPr>
+            <a:spLocks noGrp="1"/>
+          </p:cNvSpPr>
+          <p:nvPr>
+            <p:ph idx="1"/>
+          </p:nvPr>
+        </p:nvSpPr>
+        <p:spPr/>
+        <p:txBody>
+          <a:bodyPr/>
+          <a:lstStyle/>
+          <a:p>
+            <a:pPr marL="0" indent="0">
+              <a:buNone/>
+            </a:pPr>
+            <a:r>
+              <a:rPr lang="en-US" dirty="0"/>
+              <a:t>What is we want to control the filtering method?</a:t>
+            </a:r>
+          </a:p>
+          <a:p>
+            <a:pPr marL="0" indent="0">
+              <a:buNone/>
+            </a:pPr>
+            <a:endParaRPr lang="en-US" dirty="0"/>
+          </a:p>
+          <a:p>
+            <a:pPr marL="0" indent="0">
+              <a:buNone/>
+            </a:pPr>
+            <a:r>
+              <a:rPr lang="en-US" dirty="0">
+                <a:latin typeface="Source Code Pro" panose="020B0509030403020204" pitchFamily="49" charset="77"/>
+              </a:rPr>
+              <a:t>def </a:t>
+            </a:r>
+            <a:r>
+              <a:rPr lang="en-US" dirty="0" err="1">
+                <a:latin typeface="Source Code Pro" panose="020B0509030403020204" pitchFamily="49" charset="77"/>
+              </a:rPr>
+              <a:t>keep_words</a:t>
+            </a:r>
+            <a:r>
+              <a:rPr lang="en-US" dirty="0">
+                <a:latin typeface="Source Code Pro" panose="020B0509030403020204" pitchFamily="49" charset="77"/>
+              </a:rPr>
+              <a:t>(word):</a:t>
+            </a:r>
+          </a:p>
+          <a:p>
+            <a:pPr marL="0" indent="0">
+              <a:buNone/>
+            </a:pPr>
+            <a:r>
+              <a:rPr lang="en-US" dirty="0">
+                <a:latin typeface="Source Code Pro" panose="020B0509030403020204" pitchFamily="49" charset="77"/>
+              </a:rPr>
+              <a:t>    specials = ['Los']</a:t>
+            </a:r>
+          </a:p>
+          <a:p>
+            <a:pPr marL="0" indent="0">
+              <a:buNone/>
+            </a:pPr>
+            <a:r>
+              <a:rPr lang="en-US" dirty="0">
+                <a:latin typeface="Source Code Pro" panose="020B0509030403020204" pitchFamily="49" charset="77"/>
+              </a:rPr>
+              <a:t>    return word in specials or </a:t>
+            </a:r>
+            <a:r>
+              <a:rPr lang="en-US" dirty="0" err="1">
+                <a:latin typeface="Source Code Pro" panose="020B0509030403020204" pitchFamily="49" charset="77"/>
+              </a:rPr>
+              <a:t>long_word</a:t>
+            </a:r>
+            <a:r>
+              <a:rPr lang="en-US" dirty="0">
+                <a:latin typeface="Source Code Pro" panose="020B0509030403020204" pitchFamily="49" charset="77"/>
+              </a:rPr>
+              <a:t>(word)</a:t>
+            </a:r>
+          </a:p>
+          <a:p>
+            <a:pPr marL="0" indent="0">
+              <a:buNone/>
+            </a:pPr>
+            <a:endParaRPr lang="en-US" dirty="0">
+              <a:latin typeface="Source Code Pro" panose="020B0509030403020204" pitchFamily="49" charset="77"/>
+            </a:endParaRPr>
+          </a:p>
+          <a:p>
+            <a:pPr marL="0" indent="0">
+              <a:buNone/>
+            </a:pPr>
+            <a:r>
+              <a:rPr lang="en-US" dirty="0">
+                <a:latin typeface="Source Code Pro" panose="020B0509030403020204" pitchFamily="49" charset="77"/>
+              </a:rPr>
+              <a:t>def </a:t>
+            </a:r>
+            <a:r>
+              <a:rPr lang="en-US" dirty="0" err="1">
+                <a:latin typeface="Source Code Pro" panose="020B0509030403020204" pitchFamily="49" charset="77"/>
+              </a:rPr>
+              <a:t>acronym_hof</a:t>
+            </a:r>
+            <a:r>
+              <a:rPr lang="en-US" dirty="0">
+                <a:latin typeface="Source Code Pro" panose="020B0509030403020204" pitchFamily="49" charset="77"/>
+              </a:rPr>
+              <a:t>(sentence, </a:t>
+            </a:r>
+            <a:r>
+              <a:rPr lang="en-US" b="1" dirty="0" err="1">
+                <a:latin typeface="Source Code Pro" panose="020B0509030403020204" pitchFamily="49" charset="77"/>
+              </a:rPr>
+              <a:t>filter_fn</a:t>
+            </a:r>
+            <a:r>
+              <a:rPr lang="en-US" dirty="0">
+                <a:latin typeface="Source Code Pro" panose="020B0509030403020204" pitchFamily="49" charset="77"/>
+              </a:rPr>
+              <a:t>):</a:t>
+            </a:r>
+          </a:p>
+          <a:p>
+            <a:pPr marL="0" indent="0">
+              <a:buNone/>
+            </a:pPr>
+            <a:r>
+              <a:rPr lang="en-US" dirty="0">
+                <a:latin typeface="Source Code Pro" panose="020B0509030403020204" pitchFamily="49" charset="77"/>
+              </a:rPr>
+              <a:t>    words = </a:t>
+            </a:r>
+            <a:r>
+              <a:rPr lang="en-US" dirty="0" err="1">
+                <a:latin typeface="Source Code Pro" panose="020B0509030403020204" pitchFamily="49" charset="77"/>
+              </a:rPr>
+              <a:t>sentence.split</a:t>
+            </a:r>
+            <a:r>
+              <a:rPr lang="en-US" dirty="0">
+                <a:latin typeface="Source Code Pro" panose="020B0509030403020204" pitchFamily="49" charset="77"/>
+              </a:rPr>
+              <a:t>()</a:t>
+            </a:r>
+          </a:p>
+          <a:p>
+            <a:pPr marL="0" indent="0">
+              <a:buNone/>
+            </a:pPr>
+            <a:r>
+              <a:rPr lang="en-US" dirty="0">
+                <a:latin typeface="Source Code Pro" panose="020B0509030403020204" pitchFamily="49" charset="77"/>
+              </a:rPr>
+              <a:t>    return reduce(add, map(</a:t>
+            </a:r>
+            <a:r>
+              <a:rPr lang="en-US" dirty="0" err="1">
+                <a:latin typeface="Source Code Pro" panose="020B0509030403020204" pitchFamily="49" charset="77"/>
+              </a:rPr>
+              <a:t>first_letter</a:t>
+            </a:r>
+            <a:r>
+              <a:rPr lang="en-US" dirty="0">
+                <a:latin typeface="Source Code Pro" panose="020B0509030403020204" pitchFamily="49" charset="77"/>
+              </a:rPr>
+              <a:t>, filter(</a:t>
+            </a:r>
+            <a:r>
+              <a:rPr lang="en-US" b="1" dirty="0" err="1">
+                <a:latin typeface="Source Code Pro" panose="020B0509030403020204" pitchFamily="49" charset="77"/>
+              </a:rPr>
+              <a:t>filter_fn</a:t>
+            </a:r>
+            <a:r>
+              <a:rPr lang="en-US" dirty="0">
+                <a:latin typeface="Source Code Pro" panose="020B0509030403020204" pitchFamily="49" charset="77"/>
+              </a:rPr>
+              <a:t>, words)))</a:t>
+            </a:r>
+          </a:p>
+          <a:p>
+            <a:pPr marL="0" indent="0">
+              <a:buNone/>
+            </a:pPr>
+            <a:endParaRPr lang="en-US" dirty="0"/>
+          </a:p>
+          <a:p>
+            <a:pPr marL="0" indent="0">
+              <a:buNone/>
+            </a:pPr>
+            <a:r>
+              <a:rPr lang="en-US" dirty="0" err="1">
+                <a:latin typeface="Source Code Pro" panose="020B0309030403020204" pitchFamily="34" charset="0"/>
+                <a:ea typeface="Source Code Pro" panose="020B0309030403020204" pitchFamily="34" charset="0"/>
+              </a:rPr>
+              <a:t>acronym_hof</a:t>
+            </a:r>
+            <a:r>
+              <a:rPr lang="en-US" dirty="0">
+                <a:latin typeface="Source Code Pro" panose="020B0309030403020204" pitchFamily="34" charset="0"/>
+                <a:ea typeface="Source Code Pro" panose="020B0309030403020204" pitchFamily="34" charset="0"/>
+              </a:rPr>
+              <a:t>(copycats, </a:t>
+            </a:r>
+            <a:r>
+              <a:rPr lang="en-US" dirty="0" err="1">
+                <a:latin typeface="Source Code Pro" panose="020B0309030403020204" pitchFamily="34" charset="0"/>
+                <a:ea typeface="Source Code Pro" panose="020B0309030403020204" pitchFamily="34" charset="0"/>
+              </a:rPr>
+              <a:t>keep_words</a:t>
+            </a:r>
+            <a:r>
+              <a:rPr lang="en-US" dirty="0">
+                <a:latin typeface="Source Code Pro" panose="020B0309030403020204" pitchFamily="34" charset="0"/>
+                <a:ea typeface="Source Code Pro" panose="020B0309030403020204" pitchFamily="34" charset="0"/>
+              </a:rPr>
+              <a:t>)</a:t>
+            </a:r>
+          </a:p>
+        </p:txBody>
+      </p:sp>
+      <p:sp>
+        <p:nvSpPr>
+          <p:cNvPr id="4" name="Footer Placeholder 3">
+            <a:extLst>
+              <a:ext uri="{FF2B5EF4-FFF2-40B4-BE49-F238E27FC236}">
+                <a16:creationId xmlns:a16="http://schemas.microsoft.com/office/drawing/2014/main" id="{9190173E-420E-9A58-E65B-E03B8A83BE80}"/>
+              </a:ext>
+            </a:extLst>
+          </p:cNvPr>
+          <p:cNvSpPr>
+            <a:spLocks noGrp="1"/>
+          </p:cNvSpPr>
+          <p:nvPr>
+            <p:ph type="ftr" sz="quarter" idx="10"/>
+          </p:nvPr>
+        </p:nvSpPr>
+        <p:spPr>
+          <a:xfrm>
+            <a:off x="4038599" y="6356350"/>
+            <a:ext cx="4348655" cy="365125"/>
+          </a:xfrm>
+        </p:spPr>
+        <p:txBody>
+          <a:bodyPr/>
+          <a:lstStyle/>
+          <a:p>
+            <a:r>
+              <a:rPr lang="en-US" dirty="0"/>
+              <a:t>Michael Ball | UC Berkeley | https://c88c.org | © CC BY-NC-SA</a:t>
+            </a:r>
+          </a:p>
+        </p:txBody>
+      </p:sp>
+    </p:spTree>
+    <p:extLst>
+      <p:ext uri="{BB962C8B-B14F-4D97-AF65-F5344CB8AC3E}">
+        <p14:creationId xmlns:p14="http://schemas.microsoft.com/office/powerpoint/2010/main" val="3478770812"/>
+      </p:ext>
+    </p:extLst>
+  </p:cSld>
+  <p:clrMapOvr>
+    <a:masterClrMapping/>
+  </p:clrMapOvr>
+</p:sld>
+</file>
+
+<file path=ppt/slides/slide11.xml><?xml version="1.0" encoding="utf-8"?>
 <p:sld xmlns:a="http://schemas.openxmlformats.org/drawingml/2006/main" xmlns:r="http://schemas.openxmlformats.org/officeDocument/2006/relationships" xmlns:p="http://schemas.openxmlformats.org/presentationml/2006/main">
   <p:cSld>
     <p:spTree>
@@ -10106,7 +10661,7 @@
 </p:sld>
 </file>
 
-<file path=ppt/slides/slide11.xml><?xml version="1.0" encoding="utf-8"?>
+<file path=ppt/slides/slide12.xml><?xml version="1.0" encoding="utf-8"?>
 <p:sld xmlns:a="http://schemas.openxmlformats.org/drawingml/2006/main" xmlns:r="http://schemas.openxmlformats.org/officeDocument/2006/relationships" xmlns:p="http://schemas.openxmlformats.org/presentationml/2006/main">
   <p:cSld>
     <p:spTree>
@@ -10191,143 +10746,6 @@
 </p:sld>
 </file>
 
-<file path=ppt/slides/slide12.xml><?xml version="1.0" encoding="utf-8"?>
-<p:sld xmlns:a="http://schemas.openxmlformats.org/drawingml/2006/main" xmlns:r="http://schemas.openxmlformats.org/officeDocument/2006/relationships" xmlns:p="http://schemas.openxmlformats.org/presentationml/2006/main">
-  <p:cSld>
-    <p:spTree>
-      <p:nvGrpSpPr>
-        <p:cNvPr id="1" name=""/>
-        <p:cNvGrpSpPr/>
-        <p:nvPr/>
-      </p:nvGrpSpPr>
-      <p:grpSpPr>
-        <a:xfrm>
-          <a:off x="0" y="0"/>
-          <a:ext cx="0" cy="0"/>
-          <a:chOff x="0" y="0"/>
-          <a:chExt cx="0" cy="0"/>
-        </a:xfrm>
-      </p:grpSpPr>
-      <p:sp>
-        <p:nvSpPr>
-          <p:cNvPr id="2" name="Title 1">
-            <a:extLst>
-              <a:ext uri="{FF2B5EF4-FFF2-40B4-BE49-F238E27FC236}">
-                <a16:creationId xmlns:a16="http://schemas.microsoft.com/office/drawing/2014/main" id="{100B1421-7577-D94A-A03F-9746321D9D5E}"/>
-              </a:ext>
-            </a:extLst>
-          </p:cNvPr>
-          <p:cNvSpPr>
-            <a:spLocks noGrp="1"/>
-          </p:cNvSpPr>
-          <p:nvPr>
-            <p:ph type="title"/>
-          </p:nvPr>
-        </p:nvSpPr>
-        <p:spPr/>
-        <p:txBody>
-          <a:bodyPr/>
-          <a:lstStyle/>
-          <a:p>
-            <a:r>
-              <a:rPr lang="en-US" dirty="0"/>
-              <a:t>Learning Objectives</a:t>
-            </a:r>
-          </a:p>
-        </p:txBody>
-      </p:sp>
-      <p:sp>
-        <p:nvSpPr>
-          <p:cNvPr id="3" name="Content Placeholder 2">
-            <a:extLst>
-              <a:ext uri="{FF2B5EF4-FFF2-40B4-BE49-F238E27FC236}">
-                <a16:creationId xmlns:a16="http://schemas.microsoft.com/office/drawing/2014/main" id="{86019B6B-B854-7643-924E-9BF51C8B86D3}"/>
-              </a:ext>
-            </a:extLst>
-          </p:cNvPr>
-          <p:cNvSpPr>
-            <a:spLocks noGrp="1"/>
-          </p:cNvSpPr>
-          <p:nvPr>
-            <p:ph idx="1"/>
-          </p:nvPr>
-        </p:nvSpPr>
-        <p:spPr/>
-        <p:txBody>
-          <a:bodyPr/>
-          <a:lstStyle/>
-          <a:p>
-            <a:r>
-              <a:rPr lang="en-US" dirty="0"/>
-              <a:t>Learn how to use and create higher order functions:</a:t>
-            </a:r>
-          </a:p>
-          <a:p>
-            <a:r>
-              <a:rPr lang="en-US" dirty="0"/>
-              <a:t>Functions can be used as data</a:t>
-            </a:r>
-          </a:p>
-          <a:p>
-            <a:r>
-              <a:rPr lang="en-US" dirty="0"/>
-              <a:t>Functions can accept a function as an argument</a:t>
-            </a:r>
-          </a:p>
-          <a:p>
-            <a:r>
-              <a:rPr lang="en-US" b="1" dirty="0"/>
-              <a:t>Functions can return a new function</a:t>
-            </a:r>
-          </a:p>
-        </p:txBody>
-      </p:sp>
-      <p:sp>
-        <p:nvSpPr>
-          <p:cNvPr id="5" name="Footer Placeholder 3">
-            <a:extLst>
-              <a:ext uri="{FF2B5EF4-FFF2-40B4-BE49-F238E27FC236}">
-                <a16:creationId xmlns:a16="http://schemas.microsoft.com/office/drawing/2014/main" id="{0AB8D426-819A-7542-8C8B-D59D3E625434}"/>
-              </a:ext>
-            </a:extLst>
-          </p:cNvPr>
-          <p:cNvSpPr>
-            <a:spLocks noGrp="1"/>
-          </p:cNvSpPr>
-          <p:nvPr>
-            <p:ph type="ftr" sz="quarter" idx="10"/>
-          </p:nvPr>
-        </p:nvSpPr>
-        <p:spPr>
-          <a:xfrm>
-            <a:off x="4038599" y="6356350"/>
-            <a:ext cx="4348655" cy="365125"/>
-          </a:xfrm>
-        </p:spPr>
-        <p:txBody>
-          <a:bodyPr/>
-          <a:lstStyle/>
-          <a:p>
-            <a:r>
-              <a:rPr lang="en-US" dirty="0"/>
-              <a:t>Michael Ball | UC Berkeley | https://c88c.org | © CC BY-NC-SA</a:t>
-            </a:r>
-          </a:p>
-        </p:txBody>
-      </p:sp>
-    </p:spTree>
-    <p:extLst>
-      <p:ext uri="{BB962C8B-B14F-4D97-AF65-F5344CB8AC3E}">
-        <p14:creationId xmlns:p14="http://schemas.microsoft.com/office/powerpoint/2010/main" val="1593238648"/>
-      </p:ext>
-    </p:extLst>
-  </p:cSld>
-  <p:clrMapOvr>
-    <a:masterClrMapping/>
-  </p:clrMapOvr>
-</p:sld>
-</file>
-
 <file path=ppt/slides/slide13.xml><?xml version="1.0" encoding="utf-8"?>
 <p:sld xmlns:a="http://schemas.openxmlformats.org/drawingml/2006/main" xmlns:r="http://schemas.openxmlformats.org/officeDocument/2006/relationships" xmlns:p="http://schemas.openxmlformats.org/presentationml/2006/main">
   <p:cSld>
@@ -10350,6 +10768,143 @@
           <p:cNvPr id="2" name="Title 1">
             <a:extLst>
               <a:ext uri="{FF2B5EF4-FFF2-40B4-BE49-F238E27FC236}">
+                <a16:creationId xmlns:a16="http://schemas.microsoft.com/office/drawing/2014/main" id="{100B1421-7577-D94A-A03F-9746321D9D5E}"/>
+              </a:ext>
+            </a:extLst>
+          </p:cNvPr>
+          <p:cNvSpPr>
+            <a:spLocks noGrp="1"/>
+          </p:cNvSpPr>
+          <p:nvPr>
+            <p:ph type="title"/>
+          </p:nvPr>
+        </p:nvSpPr>
+        <p:spPr/>
+        <p:txBody>
+          <a:bodyPr/>
+          <a:lstStyle/>
+          <a:p>
+            <a:r>
+              <a:rPr lang="en-US" dirty="0"/>
+              <a:t>Learning Objectives</a:t>
+            </a:r>
+          </a:p>
+        </p:txBody>
+      </p:sp>
+      <p:sp>
+        <p:nvSpPr>
+          <p:cNvPr id="3" name="Content Placeholder 2">
+            <a:extLst>
+              <a:ext uri="{FF2B5EF4-FFF2-40B4-BE49-F238E27FC236}">
+                <a16:creationId xmlns:a16="http://schemas.microsoft.com/office/drawing/2014/main" id="{86019B6B-B854-7643-924E-9BF51C8B86D3}"/>
+              </a:ext>
+            </a:extLst>
+          </p:cNvPr>
+          <p:cNvSpPr>
+            <a:spLocks noGrp="1"/>
+          </p:cNvSpPr>
+          <p:nvPr>
+            <p:ph idx="1"/>
+          </p:nvPr>
+        </p:nvSpPr>
+        <p:spPr/>
+        <p:txBody>
+          <a:bodyPr/>
+          <a:lstStyle/>
+          <a:p>
+            <a:r>
+              <a:rPr lang="en-US" dirty="0"/>
+              <a:t>Learn how to use and create higher order functions:</a:t>
+            </a:r>
+          </a:p>
+          <a:p>
+            <a:r>
+              <a:rPr lang="en-US" dirty="0"/>
+              <a:t>Functions can be used as data</a:t>
+            </a:r>
+          </a:p>
+          <a:p>
+            <a:r>
+              <a:rPr lang="en-US" dirty="0"/>
+              <a:t>Functions can accept a function as an argument</a:t>
+            </a:r>
+          </a:p>
+          <a:p>
+            <a:r>
+              <a:rPr lang="en-US" b="1" dirty="0"/>
+              <a:t>Functions can return a new function</a:t>
+            </a:r>
+          </a:p>
+        </p:txBody>
+      </p:sp>
+      <p:sp>
+        <p:nvSpPr>
+          <p:cNvPr id="5" name="Footer Placeholder 3">
+            <a:extLst>
+              <a:ext uri="{FF2B5EF4-FFF2-40B4-BE49-F238E27FC236}">
+                <a16:creationId xmlns:a16="http://schemas.microsoft.com/office/drawing/2014/main" id="{0AB8D426-819A-7542-8C8B-D59D3E625434}"/>
+              </a:ext>
+            </a:extLst>
+          </p:cNvPr>
+          <p:cNvSpPr>
+            <a:spLocks noGrp="1"/>
+          </p:cNvSpPr>
+          <p:nvPr>
+            <p:ph type="ftr" sz="quarter" idx="10"/>
+          </p:nvPr>
+        </p:nvSpPr>
+        <p:spPr>
+          <a:xfrm>
+            <a:off x="4038599" y="6356350"/>
+            <a:ext cx="4348655" cy="365125"/>
+          </a:xfrm>
+        </p:spPr>
+        <p:txBody>
+          <a:bodyPr/>
+          <a:lstStyle/>
+          <a:p>
+            <a:r>
+              <a:rPr lang="en-US" dirty="0"/>
+              <a:t>Michael Ball | UC Berkeley | https://c88c.org | © CC BY-NC-SA</a:t>
+            </a:r>
+          </a:p>
+        </p:txBody>
+      </p:sp>
+    </p:spTree>
+    <p:extLst>
+      <p:ext uri="{BB962C8B-B14F-4D97-AF65-F5344CB8AC3E}">
+        <p14:creationId xmlns:p14="http://schemas.microsoft.com/office/powerpoint/2010/main" val="1593238648"/>
+      </p:ext>
+    </p:extLst>
+  </p:cSld>
+  <p:clrMapOvr>
+    <a:masterClrMapping/>
+  </p:clrMapOvr>
+</p:sld>
+</file>
+
+<file path=ppt/slides/slide14.xml><?xml version="1.0" encoding="utf-8"?>
+<p:sld xmlns:a="http://schemas.openxmlformats.org/drawingml/2006/main" xmlns:r="http://schemas.openxmlformats.org/officeDocument/2006/relationships" xmlns:p="http://schemas.openxmlformats.org/presentationml/2006/main">
+  <p:cSld>
+    <p:spTree>
+      <p:nvGrpSpPr>
+        <p:cNvPr id="1" name=""/>
+        <p:cNvGrpSpPr/>
+        <p:nvPr/>
+      </p:nvGrpSpPr>
+      <p:grpSpPr>
+        <a:xfrm>
+          <a:off x="0" y="0"/>
+          <a:ext cx="0" cy="0"/>
+          <a:chOff x="0" y="0"/>
+          <a:chExt cx="0" cy="0"/>
+        </a:xfrm>
+      </p:grpSpPr>
+      <p:sp>
+        <p:nvSpPr>
+          <p:cNvPr id="2" name="Title 1">
+            <a:extLst>
+              <a:ext uri="{FF2B5EF4-FFF2-40B4-BE49-F238E27FC236}">
                 <a16:creationId xmlns:a16="http://schemas.microsoft.com/office/drawing/2014/main" id="{E6F99501-F0C7-EC42-A944-CAC24ED1FA0A}"/>
               </a:ext>
             </a:extLst>
@@ -10469,7 +11024,7 @@
 </p:sld>
 </file>
 
-<file path=ppt/slides/slide14.xml><?xml version="1.0" encoding="utf-8"?>
+<file path=ppt/slides/slide15.xml><?xml version="1.0" encoding="utf-8"?>
 <p:sld xmlns:a="http://schemas.openxmlformats.org/drawingml/2006/main" xmlns:r="http://schemas.openxmlformats.org/officeDocument/2006/relationships" xmlns:p="http://schemas.openxmlformats.org/presentationml/2006/main">
   <p:cSld>
     <p:spTree>
@@ -11431,7 +11986,7 @@
 </p:sld>
 </file>
 
-<file path=ppt/slides/slide15.xml><?xml version="1.0" encoding="utf-8"?>
+<file path=ppt/slides/slide16.xml><?xml version="1.0" encoding="utf-8"?>
 <p:sld xmlns:a="http://schemas.openxmlformats.org/drawingml/2006/main" xmlns:r="http://schemas.openxmlformats.org/officeDocument/2006/relationships" xmlns:p="http://schemas.openxmlformats.org/presentationml/2006/main">
   <p:cSld>
     <p:spTree>
@@ -11516,7 +12071,7 @@
 </p:sld>
 </file>
 
-<file path=ppt/slides/slide16.xml><?xml version="1.0" encoding="utf-8"?>
+<file path=ppt/slides/slide17.xml><?xml version="1.0" encoding="utf-8"?>
 <p:sld xmlns:a="http://schemas.openxmlformats.org/drawingml/2006/main" xmlns:r="http://schemas.openxmlformats.org/officeDocument/2006/relationships" xmlns:p="http://schemas.openxmlformats.org/presentationml/2006/main">
   <p:cSld>
     <p:spTree>
@@ -11690,7 +12245,7 @@
 </p:sld>
 </file>
 
-<file path=ppt/slides/slide17.xml><?xml version="1.0" encoding="utf-8"?>
+<file path=ppt/slides/slide18.xml><?xml version="1.0" encoding="utf-8"?>
 <p:sld xmlns:a="http://schemas.openxmlformats.org/drawingml/2006/main" xmlns:r="http://schemas.openxmlformats.org/officeDocument/2006/relationships" xmlns:p="http://schemas.openxmlformats.org/presentationml/2006/main">
   <p:cSld>
     <p:spTree>
@@ -12273,7 +12828,7 @@
 </p:sld>
 </file>
 
-<file path=ppt/slides/slide18.xml><?xml version="1.0" encoding="utf-8"?>
+<file path=ppt/slides/slide19.xml><?xml version="1.0" encoding="utf-8"?>
 <p:sld xmlns:a="http://schemas.openxmlformats.org/drawingml/2006/main" xmlns:r="http://schemas.openxmlformats.org/officeDocument/2006/relationships" xmlns:p="http://schemas.openxmlformats.org/presentationml/2006/main">
   <p:cSld>
     <p:spTree>
@@ -12959,7 +13514,7 @@
 </p:sld>
 </file>
 
-<file path=ppt/slides/slide19.xml><?xml version="1.0" encoding="utf-8"?>
+<file path=ppt/slides/slide2.xml><?xml version="1.0" encoding="utf-8"?>
 <p:sld xmlns:a="http://schemas.openxmlformats.org/drawingml/2006/main" xmlns:r="http://schemas.openxmlformats.org/officeDocument/2006/relationships" xmlns:p="http://schemas.openxmlformats.org/presentationml/2006/main">
   <p:cSld>
     <p:spTree>
@@ -12981,6 +13536,217 @@
           <p:cNvPr id="2" name="Title 1">
             <a:extLst>
               <a:ext uri="{FF2B5EF4-FFF2-40B4-BE49-F238E27FC236}">
+                <a16:creationId xmlns:a16="http://schemas.microsoft.com/office/drawing/2014/main" id="{87A4F312-ABCD-8B4B-A190-C7A5FABE2FD2}"/>
+              </a:ext>
+            </a:extLst>
+          </p:cNvPr>
+          <p:cNvSpPr>
+            <a:spLocks noGrp="1"/>
+          </p:cNvSpPr>
+          <p:nvPr>
+            <p:ph type="title"/>
+          </p:nvPr>
+        </p:nvSpPr>
+        <p:spPr/>
+        <p:txBody>
+          <a:bodyPr/>
+          <a:lstStyle/>
+          <a:p>
+            <a:r>
+              <a:rPr lang="en-US" dirty="0"/>
+              <a:t>Announcements</a:t>
+            </a:r>
+          </a:p>
+        </p:txBody>
+      </p:sp>
+      <p:sp>
+        <p:nvSpPr>
+          <p:cNvPr id="3" name="Content Placeholder 2">
+            <a:extLst>
+              <a:ext uri="{FF2B5EF4-FFF2-40B4-BE49-F238E27FC236}">
+                <a16:creationId xmlns:a16="http://schemas.microsoft.com/office/drawing/2014/main" id="{69C4A6B4-5D93-444D-98DD-446A9595B8EB}"/>
+              </a:ext>
+            </a:extLst>
+          </p:cNvPr>
+          <p:cNvSpPr>
+            <a:spLocks noGrp="1"/>
+          </p:cNvSpPr>
+          <p:nvPr>
+            <p:ph idx="1"/>
+          </p:nvPr>
+        </p:nvSpPr>
+        <p:spPr/>
+        <p:txBody>
+          <a:bodyPr/>
+          <a:lstStyle/>
+          <a:p>
+            <a:pPr marL="0" indent="0">
+              <a:spcBef>
+                <a:spcPts val="200"/>
+              </a:spcBef>
+              <a:buNone/>
+            </a:pPr>
+            <a:r>
+              <a:rPr lang="en-US" b="1" dirty="0"/>
+              <a:t>Exam dates</a:t>
+            </a:r>
+          </a:p>
+          <a:p>
+            <a:pPr marL="0" indent="0">
+              <a:spcBef>
+                <a:spcPts val="200"/>
+              </a:spcBef>
+              <a:buNone/>
+            </a:pPr>
+            <a:endParaRPr lang="en-US" b="1" dirty="0"/>
+          </a:p>
+          <a:p>
+            <a:pPr marL="0" indent="0">
+              <a:spcBef>
+                <a:spcPts val="200"/>
+              </a:spcBef>
+              <a:buNone/>
+            </a:pPr>
+            <a:r>
+              <a:rPr lang="en-US" b="1" dirty="0"/>
+              <a:t>Midterm: Wednesday July 17th, 3PM – 5PM PST</a:t>
+            </a:r>
+          </a:p>
+          <a:p>
+            <a:pPr marL="0" indent="0">
+              <a:spcBef>
+                <a:spcPts val="200"/>
+              </a:spcBef>
+              <a:buNone/>
+            </a:pPr>
+            <a:r>
+              <a:rPr lang="en-US" b="1" dirty="0"/>
+              <a:t>Final: Wednesday August 7th, 3PM – 5PM PST</a:t>
+            </a:r>
+          </a:p>
+          <a:p>
+            <a:pPr marL="0" indent="0">
+              <a:spcBef>
+                <a:spcPts val="200"/>
+              </a:spcBef>
+              <a:buNone/>
+            </a:pPr>
+            <a:endParaRPr lang="en-US" b="1" dirty="0"/>
+          </a:p>
+          <a:p>
+            <a:pPr marL="0" indent="0">
+              <a:spcBef>
+                <a:spcPts val="200"/>
+              </a:spcBef>
+              <a:buNone/>
+            </a:pPr>
+            <a:r>
+              <a:rPr lang="en-US" dirty="0"/>
+              <a:t>Exams will be </a:t>
+            </a:r>
+            <a:r>
+              <a:rPr lang="en-US" b="1" dirty="0"/>
+              <a:t>administered online</a:t>
+            </a:r>
+            <a:r>
+              <a:rPr lang="en-US" dirty="0"/>
+              <a:t>, and </a:t>
+            </a:r>
+            <a:r>
+              <a:rPr lang="en-US" b="1" dirty="0"/>
+              <a:t>proctored via Zoom</a:t>
+            </a:r>
+            <a:r>
+              <a:rPr lang="en-US" dirty="0"/>
+              <a:t>. You may need to present your ID (</a:t>
+            </a:r>
+            <a:r>
+              <a:rPr lang="en-US" dirty="0" err="1"/>
+              <a:t>eg</a:t>
+            </a:r>
+            <a:r>
+              <a:rPr lang="en-US" dirty="0"/>
+              <a:t> student </a:t>
+            </a:r>
+            <a:r>
+              <a:rPr lang="en-US" dirty="0" err="1"/>
+              <a:t>CalID</a:t>
+            </a:r>
+            <a:r>
+              <a:rPr lang="en-US" dirty="0"/>
+              <a:t> card, or any ID with your name + photo) during the Zoom call to proctors.</a:t>
+            </a:r>
+          </a:p>
+          <a:p>
+            <a:pPr marL="0" indent="0">
+              <a:spcBef>
+                <a:spcPts val="200"/>
+              </a:spcBef>
+              <a:buNone/>
+            </a:pPr>
+            <a:endParaRPr lang="en-US" dirty="0"/>
+          </a:p>
+          <a:p>
+            <a:pPr marL="0" indent="0">
+              <a:spcBef>
+                <a:spcPts val="200"/>
+              </a:spcBef>
+              <a:buNone/>
+            </a:pPr>
+            <a:r>
+              <a:rPr lang="en-US" b="1" dirty="0"/>
+              <a:t>Important</a:t>
+            </a:r>
+            <a:r>
+              <a:rPr lang="en-US" dirty="0"/>
+              <a:t>: for those that can’t make the above exam times, we will have </a:t>
+            </a:r>
+            <a:r>
+              <a:rPr lang="en-US" b="1" dirty="0"/>
+              <a:t>alternate exam times</a:t>
+            </a:r>
+            <a:r>
+              <a:rPr lang="en-US" dirty="0"/>
+              <a:t>. Stay tuned for details here!</a:t>
+            </a:r>
+          </a:p>
+        </p:txBody>
+      </p:sp>
+    </p:spTree>
+    <p:extLst>
+      <p:ext uri="{BB962C8B-B14F-4D97-AF65-F5344CB8AC3E}">
+        <p14:creationId xmlns:p14="http://schemas.microsoft.com/office/powerpoint/2010/main" val="3548120575"/>
+      </p:ext>
+    </p:extLst>
+  </p:cSld>
+  <p:clrMapOvr>
+    <a:masterClrMapping/>
+  </p:clrMapOvr>
+</p:sld>
+</file>
+
+<file path=ppt/slides/slide20.xml><?xml version="1.0" encoding="utf-8"?>
+<p:sld xmlns:a="http://schemas.openxmlformats.org/drawingml/2006/main" xmlns:r="http://schemas.openxmlformats.org/officeDocument/2006/relationships" xmlns:p="http://schemas.openxmlformats.org/presentationml/2006/main">
+  <p:cSld>
+    <p:spTree>
+      <p:nvGrpSpPr>
+        <p:cNvPr id="1" name=""/>
+        <p:cNvGrpSpPr/>
+        <p:nvPr/>
+      </p:nvGrpSpPr>
+      <p:grpSpPr>
+        <a:xfrm>
+          <a:off x="0" y="0"/>
+          <a:ext cx="0" cy="0"/>
+          <a:chOff x="0" y="0"/>
+          <a:chExt cx="0" cy="0"/>
+        </a:xfrm>
+      </p:grpSpPr>
+      <p:sp>
+        <p:nvSpPr>
+          <p:cNvPr id="2" name="Title 1">
+            <a:extLst>
+              <a:ext uri="{FF2B5EF4-FFF2-40B4-BE49-F238E27FC236}">
                 <a16:creationId xmlns:a16="http://schemas.microsoft.com/office/drawing/2014/main" id="{3240DA3F-5262-644A-8A04-EDF80650B9C2}"/>
               </a:ext>
             </a:extLst>
@@ -13207,7 +13973,1026 @@
 </p:sld>
 </file>
 
-<file path=ppt/slides/slide2.xml><?xml version="1.0" encoding="utf-8"?>
+<file path=ppt/slides/slide21.xml><?xml version="1.0" encoding="utf-8"?>
+<p:sld xmlns:a="http://schemas.openxmlformats.org/drawingml/2006/main" xmlns:r="http://schemas.openxmlformats.org/officeDocument/2006/relationships" xmlns:p="http://schemas.openxmlformats.org/presentationml/2006/main">
+  <p:cSld>
+    <p:spTree>
+      <p:nvGrpSpPr>
+        <p:cNvPr id="1" name=""/>
+        <p:cNvGrpSpPr/>
+        <p:nvPr/>
+      </p:nvGrpSpPr>
+      <p:grpSpPr>
+        <a:xfrm>
+          <a:off x="0" y="0"/>
+          <a:ext cx="0" cy="0"/>
+          <a:chOff x="0" y="0"/>
+          <a:chExt cx="0" cy="0"/>
+        </a:xfrm>
+      </p:grpSpPr>
+      <p:sp>
+        <p:nvSpPr>
+          <p:cNvPr id="2" name="Title 1">
+            <a:extLst>
+              <a:ext uri="{FF2B5EF4-FFF2-40B4-BE49-F238E27FC236}">
+                <a16:creationId xmlns:a16="http://schemas.microsoft.com/office/drawing/2014/main" id="{3240DA3F-5262-644A-8A04-EDF80650B9C2}"/>
+              </a:ext>
+            </a:extLst>
+          </p:cNvPr>
+          <p:cNvSpPr>
+            <a:spLocks noGrp="1"/>
+          </p:cNvSpPr>
+          <p:nvPr>
+            <p:ph type="title"/>
+          </p:nvPr>
+        </p:nvSpPr>
+        <p:spPr/>
+        <p:txBody>
+          <a:bodyPr/>
+          <a:lstStyle/>
+          <a:p>
+            <a:r>
+              <a:rPr lang="en-US" dirty="0"/>
+              <a:t>Python Tutor Example #2</a:t>
+            </a:r>
+          </a:p>
+        </p:txBody>
+      </p:sp>
+      <p:sp>
+        <p:nvSpPr>
+          <p:cNvPr id="3" name="Content Placeholder 2">
+            <a:extLst>
+              <a:ext uri="{FF2B5EF4-FFF2-40B4-BE49-F238E27FC236}">
+                <a16:creationId xmlns:a16="http://schemas.microsoft.com/office/drawing/2014/main" id="{284F9A36-1B36-EA49-B322-395902ACCA87}"/>
+              </a:ext>
+            </a:extLst>
+          </p:cNvPr>
+          <p:cNvSpPr>
+            <a:spLocks noGrp="1"/>
+          </p:cNvSpPr>
+          <p:nvPr>
+            <p:ph idx="1"/>
+          </p:nvPr>
+        </p:nvSpPr>
+        <p:spPr/>
+        <p:txBody>
+          <a:bodyPr/>
+          <a:lstStyle/>
+          <a:p>
+            <a:pPr marL="0" indent="0">
+              <a:buNone/>
+            </a:pPr>
+            <a:r>
+              <a:rPr lang="en-US" sz="2200" dirty="0">
+                <a:latin typeface="Source Code Pro" panose="020B0509030403020204" pitchFamily="49" charset="0"/>
+                <a:ea typeface="Source Code Pro" panose="020B0509030403020204" pitchFamily="49" charset="0"/>
+              </a:rPr>
+              <a:t>a = "chipotle"</a:t>
+            </a:r>
+          </a:p>
+          <a:p>
+            <a:pPr marL="0" indent="0">
+              <a:buNone/>
+            </a:pPr>
+            <a:r>
+              <a:rPr lang="en-US" sz="2200" dirty="0">
+                <a:latin typeface="Source Code Pro" panose="020B0509030403020204" pitchFamily="49" charset="0"/>
+                <a:ea typeface="Source Code Pro" panose="020B0509030403020204" pitchFamily="49" charset="0"/>
+              </a:rPr>
+              <a:t>b = 5 &gt; 3</a:t>
+            </a:r>
+          </a:p>
+          <a:p>
+            <a:pPr marL="0" indent="0">
+              <a:buNone/>
+            </a:pPr>
+            <a:r>
+              <a:rPr lang="en-US" sz="2200" dirty="0">
+                <a:latin typeface="Source Code Pro" panose="020B0509030403020204" pitchFamily="49" charset="0"/>
+                <a:ea typeface="Source Code Pro" panose="020B0509030403020204" pitchFamily="49" charset="0"/>
+              </a:rPr>
+              <a:t>c = 8</a:t>
+            </a:r>
+          </a:p>
+          <a:p>
+            <a:pPr marL="0" indent="0">
+              <a:buNone/>
+            </a:pPr>
+            <a:endParaRPr lang="en-US" sz="2200" dirty="0">
+              <a:latin typeface="Source Code Pro" panose="020B0509030403020204" pitchFamily="49" charset="0"/>
+              <a:ea typeface="Source Code Pro" panose="020B0509030403020204" pitchFamily="49" charset="0"/>
+            </a:endParaRPr>
+          </a:p>
+          <a:p>
+            <a:pPr marL="0" indent="0">
+              <a:buNone/>
+            </a:pPr>
+            <a:r>
+              <a:rPr lang="en-US" sz="2200" dirty="0">
+                <a:latin typeface="Source Code Pro" panose="020B0509030403020204" pitchFamily="49" charset="0"/>
+                <a:ea typeface="Source Code Pro" panose="020B0509030403020204" pitchFamily="49" charset="0"/>
+              </a:rPr>
+              <a:t>def foo(c):</a:t>
+            </a:r>
+          </a:p>
+          <a:p>
+            <a:pPr marL="0" indent="0">
+              <a:buNone/>
+            </a:pPr>
+            <a:r>
+              <a:rPr lang="en-US" sz="2200" dirty="0">
+                <a:latin typeface="Source Code Pro" panose="020B0509030403020204" pitchFamily="49" charset="0"/>
+                <a:ea typeface="Source Code Pro" panose="020B0509030403020204" pitchFamily="49" charset="0"/>
+              </a:rPr>
+              <a:t>    return c - 5</a:t>
+            </a:r>
+          </a:p>
+          <a:p>
+            <a:pPr marL="0" indent="0">
+              <a:buNone/>
+            </a:pPr>
+            <a:endParaRPr lang="en-US" sz="2200" dirty="0">
+              <a:latin typeface="Source Code Pro" panose="020B0509030403020204" pitchFamily="49" charset="0"/>
+              <a:ea typeface="Source Code Pro" panose="020B0509030403020204" pitchFamily="49" charset="0"/>
+            </a:endParaRPr>
+          </a:p>
+          <a:p>
+            <a:pPr marL="0" indent="0">
+              <a:buNone/>
+            </a:pPr>
+            <a:r>
+              <a:rPr lang="en-US" sz="2200" dirty="0">
+                <a:latin typeface="Source Code Pro" panose="020B0509030403020204" pitchFamily="49" charset="0"/>
+                <a:ea typeface="Source Code Pro" panose="020B0509030403020204" pitchFamily="49" charset="0"/>
+              </a:rPr>
+              <a:t>def bar():</a:t>
+            </a:r>
+          </a:p>
+          <a:p>
+            <a:pPr marL="0" indent="0">
+              <a:buNone/>
+            </a:pPr>
+            <a:r>
+              <a:rPr lang="en-US" sz="2200" dirty="0">
+                <a:latin typeface="Source Code Pro" panose="020B0509030403020204" pitchFamily="49" charset="0"/>
+                <a:ea typeface="Source Code Pro" panose="020B0509030403020204" pitchFamily="49" charset="0"/>
+              </a:rPr>
+              <a:t>    if b:</a:t>
+            </a:r>
+          </a:p>
+          <a:p>
+            <a:pPr marL="0" indent="0">
+              <a:buNone/>
+            </a:pPr>
+            <a:r>
+              <a:rPr lang="en-US" sz="2200" dirty="0">
+                <a:latin typeface="Source Code Pro" panose="020B0509030403020204" pitchFamily="49" charset="0"/>
+                <a:ea typeface="Source Code Pro" panose="020B0509030403020204" pitchFamily="49" charset="0"/>
+              </a:rPr>
+              <a:t>        a = "taco bell"</a:t>
+            </a:r>
+          </a:p>
+          <a:p>
+            <a:pPr marL="0" indent="0">
+              <a:buNone/>
+            </a:pPr>
+            <a:endParaRPr lang="en-US" sz="2200" dirty="0">
+              <a:latin typeface="Source Code Pro" panose="020B0509030403020204" pitchFamily="49" charset="0"/>
+              <a:ea typeface="Source Code Pro" panose="020B0509030403020204" pitchFamily="49" charset="0"/>
+            </a:endParaRPr>
+          </a:p>
+          <a:p>
+            <a:pPr marL="0" indent="0">
+              <a:buNone/>
+            </a:pPr>
+            <a:r>
+              <a:rPr lang="en-US" sz="2200" dirty="0">
+                <a:latin typeface="Source Code Pro" panose="020B0509030403020204" pitchFamily="49" charset="0"/>
+                <a:ea typeface="Source Code Pro" panose="020B0509030403020204" pitchFamily="49" charset="0"/>
+              </a:rPr>
+              <a:t>result1 = foo(10)</a:t>
+            </a:r>
+          </a:p>
+          <a:p>
+            <a:pPr marL="0" indent="0">
+              <a:buNone/>
+            </a:pPr>
+            <a:r>
+              <a:rPr lang="en-US" sz="2200" dirty="0">
+                <a:latin typeface="Source Code Pro" panose="020B0509030403020204" pitchFamily="49" charset="0"/>
+                <a:ea typeface="Source Code Pro" panose="020B0509030403020204" pitchFamily="49" charset="0"/>
+              </a:rPr>
+              <a:t>result2 = bar()</a:t>
+            </a:r>
+          </a:p>
+        </p:txBody>
+      </p:sp>
+      <p:sp>
+        <p:nvSpPr>
+          <p:cNvPr id="5" name="Footer Placeholder 3">
+            <a:extLst>
+              <a:ext uri="{FF2B5EF4-FFF2-40B4-BE49-F238E27FC236}">
+                <a16:creationId xmlns:a16="http://schemas.microsoft.com/office/drawing/2014/main" id="{063CC9AD-AB85-ED1A-8BBF-11586ADBA2A7}"/>
+              </a:ext>
+            </a:extLst>
+          </p:cNvPr>
+          <p:cNvSpPr>
+            <a:spLocks noGrp="1"/>
+          </p:cNvSpPr>
+          <p:nvPr>
+            <p:ph type="ftr" sz="quarter" idx="10"/>
+          </p:nvPr>
+        </p:nvSpPr>
+        <p:spPr>
+          <a:xfrm>
+            <a:off x="4038599" y="6356350"/>
+            <a:ext cx="4348655" cy="365125"/>
+          </a:xfrm>
+        </p:spPr>
+        <p:txBody>
+          <a:bodyPr/>
+          <a:lstStyle/>
+          <a:p>
+            <a:r>
+              <a:rPr lang="en-US" dirty="0"/>
+              <a:t>Michael Ball | UC Berkeley | https://c88c.org | © CC BY-NC-SA</a:t>
+            </a:r>
+          </a:p>
+        </p:txBody>
+      </p:sp>
+    </p:spTree>
+    <p:extLst>
+      <p:ext uri="{BB962C8B-B14F-4D97-AF65-F5344CB8AC3E}">
+        <p14:creationId xmlns:p14="http://schemas.microsoft.com/office/powerpoint/2010/main" val="3096584794"/>
+      </p:ext>
+    </p:extLst>
+  </p:cSld>
+  <p:clrMapOvr>
+    <a:masterClrMapping/>
+  </p:clrMapOvr>
+</p:sld>
+</file>
+
+<file path=ppt/slides/slide22.xml><?xml version="1.0" encoding="utf-8"?>
+<p:sld xmlns:a="http://schemas.openxmlformats.org/drawingml/2006/main" xmlns:r="http://schemas.openxmlformats.org/officeDocument/2006/relationships" xmlns:p="http://schemas.openxmlformats.org/presentationml/2006/main">
+  <p:cSld>
+    <p:spTree>
+      <p:nvGrpSpPr>
+        <p:cNvPr id="1" name=""/>
+        <p:cNvGrpSpPr/>
+        <p:nvPr/>
+      </p:nvGrpSpPr>
+      <p:grpSpPr>
+        <a:xfrm>
+          <a:off x="0" y="0"/>
+          <a:ext cx="0" cy="0"/>
+          <a:chOff x="0" y="0"/>
+          <a:chExt cx="0" cy="0"/>
+        </a:xfrm>
+      </p:grpSpPr>
+      <p:sp>
+        <p:nvSpPr>
+          <p:cNvPr id="2" name="Title 1">
+            <a:extLst>
+              <a:ext uri="{FF2B5EF4-FFF2-40B4-BE49-F238E27FC236}">
+                <a16:creationId xmlns:a16="http://schemas.microsoft.com/office/drawing/2014/main" id="{80893AED-AB1E-9F40-BE86-23A4ED91A56E}"/>
+              </a:ext>
+            </a:extLst>
+          </p:cNvPr>
+          <p:cNvSpPr>
+            <a:spLocks noGrp="1"/>
+          </p:cNvSpPr>
+          <p:nvPr>
+            <p:ph type="title"/>
+          </p:nvPr>
+        </p:nvSpPr>
+        <p:spPr/>
+        <p:txBody>
+          <a:bodyPr/>
+          <a:lstStyle/>
+          <a:p>
+            <a:r>
+              <a:rPr lang="en-US" dirty="0"/>
+              <a:t>Python Tutor Example #3</a:t>
+            </a:r>
+          </a:p>
+        </p:txBody>
+      </p:sp>
+      <p:sp>
+        <p:nvSpPr>
+          <p:cNvPr id="3" name="Content Placeholder 2">
+            <a:extLst>
+              <a:ext uri="{FF2B5EF4-FFF2-40B4-BE49-F238E27FC236}">
+                <a16:creationId xmlns:a16="http://schemas.microsoft.com/office/drawing/2014/main" id="{96930B3E-847A-CF45-BFCB-5C129A38C53F}"/>
+              </a:ext>
+            </a:extLst>
+          </p:cNvPr>
+          <p:cNvSpPr>
+            <a:spLocks noGrp="1"/>
+          </p:cNvSpPr>
+          <p:nvPr>
+            <p:ph idx="1"/>
+          </p:nvPr>
+        </p:nvSpPr>
+        <p:spPr/>
+        <p:txBody>
+          <a:bodyPr/>
+          <a:lstStyle/>
+          <a:p>
+            <a:pPr marL="0" indent="0">
+              <a:buNone/>
+            </a:pPr>
+            <a:r>
+              <a:rPr lang="en-US" dirty="0">
+                <a:latin typeface="Source Code Pro" panose="020B0509030403020204" pitchFamily="49" charset="77"/>
+              </a:rPr>
+              <a:t>add_2 = </a:t>
+            </a:r>
+            <a:r>
+              <a:rPr lang="en-US" dirty="0" err="1">
+                <a:latin typeface="Source Code Pro" panose="020B0509030403020204" pitchFamily="49" charset="77"/>
+              </a:rPr>
+              <a:t>make_adder</a:t>
+            </a:r>
+            <a:r>
+              <a:rPr lang="en-US" dirty="0">
+                <a:latin typeface="Source Code Pro" panose="020B0509030403020204" pitchFamily="49" charset="77"/>
+              </a:rPr>
+              <a:t>(2)</a:t>
+            </a:r>
+          </a:p>
+          <a:p>
+            <a:pPr marL="0" indent="0">
+              <a:buNone/>
+            </a:pPr>
+            <a:r>
+              <a:rPr lang="en-US" dirty="0">
+                <a:latin typeface="Source Code Pro" panose="020B0509030403020204" pitchFamily="49" charset="77"/>
+              </a:rPr>
+              <a:t>add_3 = </a:t>
+            </a:r>
+            <a:r>
+              <a:rPr lang="en-US" dirty="0" err="1">
+                <a:latin typeface="Source Code Pro" panose="020B0509030403020204" pitchFamily="49" charset="77"/>
+              </a:rPr>
+              <a:t>make_adder</a:t>
+            </a:r>
+            <a:r>
+              <a:rPr lang="en-US" dirty="0">
+                <a:latin typeface="Source Code Pro" panose="020B0509030403020204" pitchFamily="49" charset="77"/>
+              </a:rPr>
+              <a:t>(3)</a:t>
+            </a:r>
+          </a:p>
+          <a:p>
+            <a:pPr marL="0" indent="0">
+              <a:buNone/>
+            </a:pPr>
+            <a:endParaRPr lang="en-US" dirty="0">
+              <a:latin typeface="Source Code Pro" panose="020B0509030403020204" pitchFamily="49" charset="77"/>
+            </a:endParaRPr>
+          </a:p>
+          <a:p>
+            <a:pPr marL="0" indent="0">
+              <a:buNone/>
+            </a:pPr>
+            <a:r>
+              <a:rPr lang="en-US" dirty="0">
+                <a:latin typeface="Source Code Pro" panose="020B0509030403020204" pitchFamily="49" charset="77"/>
+              </a:rPr>
+              <a:t>x = add_2(2)</a:t>
+            </a:r>
+          </a:p>
+          <a:p>
+            <a:pPr marL="0" indent="0">
+              <a:buNone/>
+            </a:pPr>
+            <a:r>
+              <a:rPr lang="en-US" dirty="0">
+                <a:latin typeface="Source Code Pro" panose="020B0509030403020204" pitchFamily="49" charset="77"/>
+              </a:rPr>
+              <a:t>def compose(f, g):</a:t>
+            </a:r>
+          </a:p>
+          <a:p>
+            <a:pPr marL="0" indent="0">
+              <a:buNone/>
+            </a:pPr>
+            <a:r>
+              <a:rPr lang="en-US" dirty="0">
+                <a:latin typeface="Source Code Pro" panose="020B0509030403020204" pitchFamily="49" charset="77"/>
+              </a:rPr>
+              <a:t>    def h(x):</a:t>
+            </a:r>
+          </a:p>
+          <a:p>
+            <a:pPr marL="0" indent="0">
+              <a:buNone/>
+            </a:pPr>
+            <a:r>
+              <a:rPr lang="en-US" dirty="0">
+                <a:latin typeface="Source Code Pro" panose="020B0509030403020204" pitchFamily="49" charset="77"/>
+              </a:rPr>
+              <a:t>        return f(g(x))</a:t>
+            </a:r>
+          </a:p>
+          <a:p>
+            <a:pPr marL="0" indent="0">
+              <a:buNone/>
+            </a:pPr>
+            <a:r>
+              <a:rPr lang="en-US" dirty="0">
+                <a:latin typeface="Source Code Pro" panose="020B0509030403020204" pitchFamily="49" charset="77"/>
+              </a:rPr>
+              <a:t>    return h</a:t>
+            </a:r>
+          </a:p>
+          <a:p>
+            <a:pPr marL="0" indent="0">
+              <a:buNone/>
+            </a:pPr>
+            <a:r>
+              <a:rPr lang="en-US" dirty="0">
+                <a:latin typeface="Source Code Pro" panose="020B0509030403020204" pitchFamily="49" charset="77"/>
+              </a:rPr>
+              <a:t>add_5 = compose(add_2, add_3)</a:t>
+            </a:r>
+          </a:p>
+          <a:p>
+            <a:pPr marL="0" indent="0">
+              <a:buNone/>
+            </a:pPr>
+            <a:r>
+              <a:rPr lang="en-US" dirty="0">
+                <a:latin typeface="Source Code Pro" panose="020B0509030403020204" pitchFamily="49" charset="77"/>
+              </a:rPr>
+              <a:t>z = add_5(x)</a:t>
+            </a:r>
+          </a:p>
+        </p:txBody>
+      </p:sp>
+      <p:sp>
+        <p:nvSpPr>
+          <p:cNvPr id="5" name="Footer Placeholder 3">
+            <a:extLst>
+              <a:ext uri="{FF2B5EF4-FFF2-40B4-BE49-F238E27FC236}">
+                <a16:creationId xmlns:a16="http://schemas.microsoft.com/office/drawing/2014/main" id="{3AF96BFF-6AF9-AFF8-E585-7AA7162824BC}"/>
+              </a:ext>
+            </a:extLst>
+          </p:cNvPr>
+          <p:cNvSpPr>
+            <a:spLocks noGrp="1"/>
+          </p:cNvSpPr>
+          <p:nvPr>
+            <p:ph type="ftr" sz="quarter" idx="10"/>
+          </p:nvPr>
+        </p:nvSpPr>
+        <p:spPr>
+          <a:xfrm>
+            <a:off x="4038599" y="6356350"/>
+            <a:ext cx="4348655" cy="365125"/>
+          </a:xfrm>
+        </p:spPr>
+        <p:txBody>
+          <a:bodyPr/>
+          <a:lstStyle/>
+          <a:p>
+            <a:r>
+              <a:rPr lang="en-US" dirty="0"/>
+              <a:t>Michael Ball | UC Berkeley | https://c88c.org | © CC BY-NC-SA</a:t>
+            </a:r>
+          </a:p>
+        </p:txBody>
+      </p:sp>
+    </p:spTree>
+    <p:extLst>
+      <p:ext uri="{BB962C8B-B14F-4D97-AF65-F5344CB8AC3E}">
+        <p14:creationId xmlns:p14="http://schemas.microsoft.com/office/powerpoint/2010/main" val="3318854379"/>
+      </p:ext>
+    </p:extLst>
+  </p:cSld>
+  <p:clrMapOvr>
+    <a:masterClrMapping/>
+  </p:clrMapOvr>
+</p:sld>
+</file>
+
+<file path=ppt/slides/slide23.xml><?xml version="1.0" encoding="utf-8"?>
+<p:sld xmlns:a="http://schemas.openxmlformats.org/drawingml/2006/main" xmlns:r="http://schemas.openxmlformats.org/officeDocument/2006/relationships" xmlns:p="http://schemas.openxmlformats.org/presentationml/2006/main">
+  <p:cSld>
+    <p:spTree>
+      <p:nvGrpSpPr>
+        <p:cNvPr id="1" name=""/>
+        <p:cNvGrpSpPr/>
+        <p:nvPr/>
+      </p:nvGrpSpPr>
+      <p:grpSpPr>
+        <a:xfrm>
+          <a:off x="0" y="0"/>
+          <a:ext cx="0" cy="0"/>
+          <a:chOff x="0" y="0"/>
+          <a:chExt cx="0" cy="0"/>
+        </a:xfrm>
+      </p:grpSpPr>
+      <p:sp>
+        <p:nvSpPr>
+          <p:cNvPr id="2" name="Title 1">
+            <a:extLst>
+              <a:ext uri="{FF2B5EF4-FFF2-40B4-BE49-F238E27FC236}">
+                <a16:creationId xmlns:a16="http://schemas.microsoft.com/office/drawing/2014/main" id="{3240DA3F-5262-644A-8A04-EDF80650B9C2}"/>
+              </a:ext>
+            </a:extLst>
+          </p:cNvPr>
+          <p:cNvSpPr>
+            <a:spLocks noGrp="1"/>
+          </p:cNvSpPr>
+          <p:nvPr>
+            <p:ph type="title"/>
+          </p:nvPr>
+        </p:nvSpPr>
+        <p:spPr/>
+        <p:txBody>
+          <a:bodyPr/>
+          <a:lstStyle/>
+          <a:p>
+            <a:r>
+              <a:rPr lang="en-US" dirty="0"/>
+              <a:t>Demo</a:t>
+            </a:r>
+          </a:p>
+        </p:txBody>
+      </p:sp>
+      <p:sp>
+        <p:nvSpPr>
+          <p:cNvPr id="3" name="Content Placeholder 2">
+            <a:extLst>
+              <a:ext uri="{FF2B5EF4-FFF2-40B4-BE49-F238E27FC236}">
+                <a16:creationId xmlns:a16="http://schemas.microsoft.com/office/drawing/2014/main" id="{284F9A36-1B36-EA49-B322-395902ACCA87}"/>
+              </a:ext>
+            </a:extLst>
+          </p:cNvPr>
+          <p:cNvSpPr>
+            <a:spLocks noGrp="1"/>
+          </p:cNvSpPr>
+          <p:nvPr>
+            <p:ph idx="1"/>
+          </p:nvPr>
+        </p:nvSpPr>
+        <p:spPr>
+          <a:xfrm>
+            <a:off x="533399" y="1066800"/>
+            <a:ext cx="11225011" cy="5257800"/>
+          </a:xfrm>
+        </p:spPr>
+        <p:txBody>
+          <a:bodyPr/>
+          <a:lstStyle/>
+          <a:p>
+            <a:pPr marL="0" indent="0">
+              <a:buNone/>
+            </a:pPr>
+            <a:r>
+              <a:rPr lang="en-US" sz="2400" dirty="0"/>
+              <a:t>Example 1:</a:t>
+            </a:r>
+          </a:p>
+          <a:p>
+            <a:r>
+              <a:rPr lang="en-US" sz="2400" dirty="0">
+                <a:hlinkClick r:id="rId2"/>
+              </a:rPr>
+              <a:t>make_adder Higher Order Function: Environment Diagram Python Tutor Link</a:t>
+            </a:r>
+            <a:endParaRPr lang="en-US" sz="2400" dirty="0">
+              <a:hlinkClick r:id="rId3"/>
+            </a:endParaRPr>
+          </a:p>
+          <a:p>
+            <a:pPr marL="0" indent="0">
+              <a:buNone/>
+            </a:pPr>
+            <a:r>
+              <a:rPr lang="en-US" sz="2400" dirty="0"/>
+              <a:t>Example 2:</a:t>
+            </a:r>
+            <a:endParaRPr lang="en-US" sz="2400" dirty="0">
+              <a:hlinkClick r:id="rId3"/>
+            </a:endParaRPr>
+          </a:p>
+          <a:p>
+            <a:r>
+              <a:rPr lang="en-US" sz="2400" dirty="0">
+                <a:solidFill>
+                  <a:schemeClr val="tx1">
+                    <a:lumMod val="95000"/>
+                    <a:lumOff val="5000"/>
+                  </a:schemeClr>
+                </a:solidFill>
+                <a:hlinkClick r:id="rId4"/>
+              </a:rPr>
+              <a:t>Primitives and Functions: Environment Diagram Python Tutor</a:t>
+            </a:r>
+            <a:r>
+              <a:rPr lang="en-US" sz="2400" dirty="0">
+                <a:hlinkClick r:id="rId4"/>
+              </a:rPr>
+              <a:t>:</a:t>
+            </a:r>
+            <a:endParaRPr lang="en-US" sz="2400" dirty="0"/>
+          </a:p>
+          <a:p>
+            <a:pPr marL="0" indent="0">
+              <a:buNone/>
+            </a:pPr>
+            <a:r>
+              <a:rPr lang="en-US" sz="2400" dirty="0"/>
+              <a:t>Example 3:</a:t>
+            </a:r>
+          </a:p>
+          <a:p>
+            <a:r>
+              <a:rPr lang="en-US" sz="2400" dirty="0">
+                <a:hlinkClick r:id="rId5"/>
+              </a:rPr>
+              <a:t>Compose Python Tutor Link</a:t>
+            </a:r>
+            <a:endParaRPr lang="en-US" sz="2400" dirty="0"/>
+          </a:p>
+        </p:txBody>
+      </p:sp>
+      <p:sp>
+        <p:nvSpPr>
+          <p:cNvPr id="4" name="Footer Placeholder 3">
+            <a:extLst>
+              <a:ext uri="{FF2B5EF4-FFF2-40B4-BE49-F238E27FC236}">
+                <a16:creationId xmlns:a16="http://schemas.microsoft.com/office/drawing/2014/main" id="{F98321EF-8CA7-4B88-C14F-0290A39B3BC4}"/>
+              </a:ext>
+            </a:extLst>
+          </p:cNvPr>
+          <p:cNvSpPr>
+            <a:spLocks noGrp="1"/>
+          </p:cNvSpPr>
+          <p:nvPr>
+            <p:ph type="ftr" sz="quarter" idx="10"/>
+          </p:nvPr>
+        </p:nvSpPr>
+        <p:spPr>
+          <a:xfrm>
+            <a:off x="4038599" y="6356350"/>
+            <a:ext cx="4348655" cy="365125"/>
+          </a:xfrm>
+        </p:spPr>
+        <p:txBody>
+          <a:bodyPr/>
+          <a:lstStyle/>
+          <a:p>
+            <a:r>
+              <a:rPr lang="en-US" dirty="0"/>
+              <a:t>Michael Ball | UC Berkeley | https://c88c.org | © CC BY-NC-SA</a:t>
+            </a:r>
+          </a:p>
+        </p:txBody>
+      </p:sp>
+    </p:spTree>
+    <p:extLst>
+      <p:ext uri="{BB962C8B-B14F-4D97-AF65-F5344CB8AC3E}">
+        <p14:creationId xmlns:p14="http://schemas.microsoft.com/office/powerpoint/2010/main" val="776121693"/>
+      </p:ext>
+    </p:extLst>
+  </p:cSld>
+  <p:clrMapOvr>
+    <a:masterClrMapping/>
+  </p:clrMapOvr>
+</p:sld>
+</file>
+
+<file path=ppt/slides/slide24.xml><?xml version="1.0" encoding="utf-8"?>
+<p:sld xmlns:a="http://schemas.openxmlformats.org/drawingml/2006/main" xmlns:r="http://schemas.openxmlformats.org/officeDocument/2006/relationships" xmlns:p="http://schemas.openxmlformats.org/presentationml/2006/main">
+  <p:cSld>
+    <p:spTree>
+      <p:nvGrpSpPr>
+        <p:cNvPr id="1" name=""/>
+        <p:cNvGrpSpPr/>
+        <p:nvPr/>
+      </p:nvGrpSpPr>
+      <p:grpSpPr>
+        <a:xfrm>
+          <a:off x="0" y="0"/>
+          <a:ext cx="0" cy="0"/>
+          <a:chOff x="0" y="0"/>
+          <a:chExt cx="0" cy="0"/>
+        </a:xfrm>
+      </p:grpSpPr>
+      <p:sp>
+        <p:nvSpPr>
+          <p:cNvPr id="2" name="Title 1">
+            <a:extLst>
+              <a:ext uri="{FF2B5EF4-FFF2-40B4-BE49-F238E27FC236}">
+                <a16:creationId xmlns:a16="http://schemas.microsoft.com/office/drawing/2014/main" id="{3D058CAE-0705-B045-AD80-3D6241BFCD42}"/>
+              </a:ext>
+            </a:extLst>
+          </p:cNvPr>
+          <p:cNvSpPr>
+            <a:spLocks noGrp="1"/>
+          </p:cNvSpPr>
+          <p:nvPr>
+            <p:ph type="title"/>
+          </p:nvPr>
+        </p:nvSpPr>
+        <p:spPr/>
+        <p:txBody>
+          <a:bodyPr/>
+          <a:lstStyle/>
+          <a:p>
+            <a:r>
+              <a:rPr lang="en-US" dirty="0"/>
+              <a:t>Environment Diagram Tips / Links</a:t>
+            </a:r>
+          </a:p>
+        </p:txBody>
+      </p:sp>
+      <p:sp>
+        <p:nvSpPr>
+          <p:cNvPr id="3" name="Content Placeholder 2">
+            <a:extLst>
+              <a:ext uri="{FF2B5EF4-FFF2-40B4-BE49-F238E27FC236}">
+                <a16:creationId xmlns:a16="http://schemas.microsoft.com/office/drawing/2014/main" id="{40501BF4-AA36-5D41-AE04-17550495ECA3}"/>
+              </a:ext>
+            </a:extLst>
+          </p:cNvPr>
+          <p:cNvSpPr>
+            <a:spLocks noGrp="1"/>
+          </p:cNvSpPr>
+          <p:nvPr>
+            <p:ph idx="1"/>
+          </p:nvPr>
+        </p:nvSpPr>
+        <p:spPr/>
+        <p:txBody>
+          <a:bodyPr/>
+          <a:lstStyle/>
+          <a:p>
+            <a:r>
+              <a:rPr lang="en-US" dirty="0"/>
+              <a:t>NEVER draw an arrow from one variable to another.</a:t>
+            </a:r>
+          </a:p>
+          <a:p>
+            <a:r>
+              <a:rPr lang="en-US" dirty="0"/>
+              <a:t>Useful Resources:</a:t>
+            </a:r>
+          </a:p>
+          <a:p>
+            <a:pPr lvl="1"/>
+            <a:r>
+              <a:rPr lang="en-US" dirty="0"/>
+              <a:t>http://</a:t>
+            </a:r>
+            <a:r>
+              <a:rPr lang="en-US" dirty="0" err="1"/>
+              <a:t>markmiyashita.com</a:t>
+            </a:r>
+            <a:r>
+              <a:rPr lang="en-US" dirty="0"/>
+              <a:t>/cs61a/</a:t>
+            </a:r>
+            <a:r>
+              <a:rPr lang="en-US" dirty="0" err="1"/>
+              <a:t>environment_diagrams</a:t>
+            </a:r>
+            <a:r>
+              <a:rPr lang="en-US" dirty="0"/>
+              <a:t>/</a:t>
+            </a:r>
+            <a:r>
+              <a:rPr lang="en-US" dirty="0" err="1"/>
+              <a:t>rules_of_environment_diagrams</a:t>
+            </a:r>
+            <a:r>
+              <a:rPr lang="en-US" dirty="0"/>
+              <a:t>/</a:t>
+            </a:r>
+          </a:p>
+          <a:p>
+            <a:pPr lvl="1"/>
+            <a:r>
+              <a:rPr lang="en-US" dirty="0"/>
+              <a:t>http://</a:t>
+            </a:r>
+            <a:r>
+              <a:rPr lang="en-US" dirty="0" err="1"/>
+              <a:t>albertwu.org</a:t>
+            </a:r>
+            <a:r>
+              <a:rPr lang="en-US" dirty="0"/>
+              <a:t>/cs61a/notes/</a:t>
+            </a:r>
+            <a:r>
+              <a:rPr lang="en-US" dirty="0" err="1"/>
+              <a:t>environments.html</a:t>
+            </a:r>
+            <a:endParaRPr lang="en-US" dirty="0"/>
+          </a:p>
+          <a:p>
+            <a:endParaRPr lang="en-US" dirty="0"/>
+          </a:p>
+        </p:txBody>
+      </p:sp>
+      <p:sp>
+        <p:nvSpPr>
+          <p:cNvPr id="4" name="Footer Placeholder 3">
+            <a:extLst>
+              <a:ext uri="{FF2B5EF4-FFF2-40B4-BE49-F238E27FC236}">
+                <a16:creationId xmlns:a16="http://schemas.microsoft.com/office/drawing/2014/main" id="{34AAADEA-2ADD-1701-519B-40CA3AA6301C}"/>
+              </a:ext>
+            </a:extLst>
+          </p:cNvPr>
+          <p:cNvSpPr>
+            <a:spLocks noGrp="1"/>
+          </p:cNvSpPr>
+          <p:nvPr>
+            <p:ph type="ftr" sz="quarter" idx="10"/>
+          </p:nvPr>
+        </p:nvSpPr>
+        <p:spPr>
+          <a:xfrm>
+            <a:off x="4038599" y="6356350"/>
+            <a:ext cx="4348655" cy="365125"/>
+          </a:xfrm>
+        </p:spPr>
+        <p:txBody>
+          <a:bodyPr/>
+          <a:lstStyle/>
+          <a:p>
+            <a:r>
+              <a:rPr lang="en-US" dirty="0"/>
+              <a:t>Michael Ball | UC Berkeley | https://c88c.org | © CC BY-NC-SA</a:t>
+            </a:r>
+          </a:p>
+        </p:txBody>
+      </p:sp>
+    </p:spTree>
+    <p:extLst>
+      <p:ext uri="{BB962C8B-B14F-4D97-AF65-F5344CB8AC3E}">
+        <p14:creationId xmlns:p14="http://schemas.microsoft.com/office/powerpoint/2010/main" val="4187754231"/>
+      </p:ext>
+    </p:extLst>
+  </p:cSld>
+  <p:clrMapOvr>
+    <a:masterClrMapping/>
+  </p:clrMapOvr>
+</p:sld>
+</file>
+
+<file path=ppt/slides/slide25.xml><?xml version="1.0" encoding="utf-8"?>
+<p:sld xmlns:a="http://schemas.openxmlformats.org/drawingml/2006/main" xmlns:r="http://schemas.openxmlformats.org/officeDocument/2006/relationships" xmlns:p="http://schemas.openxmlformats.org/presentationml/2006/main">
+  <p:cSld>
+    <p:spTree>
+      <p:nvGrpSpPr>
+        <p:cNvPr id="1" name=""/>
+        <p:cNvGrpSpPr/>
+        <p:nvPr/>
+      </p:nvGrpSpPr>
+      <p:grpSpPr>
+        <a:xfrm>
+          <a:off x="0" y="0"/>
+          <a:ext cx="0" cy="0"/>
+          <a:chOff x="0" y="0"/>
+          <a:chExt cx="0" cy="0"/>
+        </a:xfrm>
+      </p:grpSpPr>
+      <p:sp>
+        <p:nvSpPr>
+          <p:cNvPr id="2" name="Title 1">
+            <a:extLst>
+              <a:ext uri="{FF2B5EF4-FFF2-40B4-BE49-F238E27FC236}">
+                <a16:creationId xmlns:a16="http://schemas.microsoft.com/office/drawing/2014/main" id="{5F0479CD-F02A-7EE2-C762-780E3DC92DD7}"/>
+              </a:ext>
+            </a:extLst>
+          </p:cNvPr>
+          <p:cNvSpPr>
+            <a:spLocks noGrp="1"/>
+          </p:cNvSpPr>
+          <p:nvPr>
+            <p:ph type="title"/>
+          </p:nvPr>
+        </p:nvSpPr>
+        <p:spPr/>
+        <p:txBody>
+          <a:bodyPr/>
+          <a:lstStyle/>
+          <a:p>
+            <a:r>
+              <a:rPr lang="en-US" dirty="0"/>
+              <a:t>Why focus on environments?</a:t>
+            </a:r>
+          </a:p>
+        </p:txBody>
+      </p:sp>
+      <p:sp>
+        <p:nvSpPr>
+          <p:cNvPr id="3" name="Content Placeholder 2">
+            <a:extLst>
+              <a:ext uri="{FF2B5EF4-FFF2-40B4-BE49-F238E27FC236}">
+                <a16:creationId xmlns:a16="http://schemas.microsoft.com/office/drawing/2014/main" id="{683FAB7B-1A79-069F-EBEA-5866C2F44F3A}"/>
+              </a:ext>
+            </a:extLst>
+          </p:cNvPr>
+          <p:cNvSpPr>
+            <a:spLocks noGrp="1"/>
+          </p:cNvSpPr>
+          <p:nvPr>
+            <p:ph idx="1"/>
+          </p:nvPr>
+        </p:nvSpPr>
+        <p:spPr/>
+        <p:txBody>
+          <a:bodyPr/>
+          <a:lstStyle/>
+          <a:p>
+            <a:r>
+              <a:rPr lang="en-US" dirty="0"/>
+              <a:t> Environments are a simplification of why Python actually does</a:t>
+            </a:r>
+          </a:p>
+          <a:p>
+            <a:r>
+              <a:rPr lang="en-US" dirty="0"/>
+              <a:t> Focus on building intuition for what will happen when you run code</a:t>
+            </a:r>
+          </a:p>
+          <a:p>
+            <a:r>
+              <a:rPr lang="en-US" dirty="0"/>
+              <a:t> Sometimes tedious, but the practice helps you solve hard questions</a:t>
+            </a:r>
+          </a:p>
+          <a:p>
+            <a:pPr lvl="1"/>
+            <a:r>
+              <a:rPr lang="en-US" dirty="0"/>
+              <a:t> In 88C (or 61A), even our hard questions are pretty short</a:t>
+            </a:r>
+          </a:p>
+          <a:p>
+            <a:pPr lvl="1"/>
+            <a:r>
+              <a:rPr lang="en-US" dirty="0"/>
+              <a:t> Outside of class, things can get complex quickly.</a:t>
+            </a:r>
+          </a:p>
+          <a:p>
+            <a:r>
+              <a:rPr lang="en-US" dirty="0"/>
+              <a:t> Every programming language is a bit different, but these rules are quite common</a:t>
+            </a:r>
+          </a:p>
+        </p:txBody>
+      </p:sp>
+      <p:sp>
+        <p:nvSpPr>
+          <p:cNvPr id="4" name="Footer Placeholder 3">
+            <a:extLst>
+              <a:ext uri="{FF2B5EF4-FFF2-40B4-BE49-F238E27FC236}">
+                <a16:creationId xmlns:a16="http://schemas.microsoft.com/office/drawing/2014/main" id="{C2DEB053-2832-EFDF-B451-48DB1DF690CF}"/>
+              </a:ext>
+            </a:extLst>
+          </p:cNvPr>
+          <p:cNvSpPr>
+            <a:spLocks noGrp="1"/>
+          </p:cNvSpPr>
+          <p:nvPr>
+            <p:ph type="ftr" sz="quarter" idx="10"/>
+          </p:nvPr>
+        </p:nvSpPr>
+        <p:spPr/>
+        <p:txBody>
+          <a:bodyPr/>
+          <a:lstStyle/>
+          <a:p>
+            <a:r>
+              <a:rPr lang="en-US"/>
+              <a:t>Michael Ball | UC Berkeley | https://c88c.org | © CC BY-NC-SA</a:t>
+            </a:r>
+            <a:endParaRPr lang="en-US" dirty="0"/>
+          </a:p>
+        </p:txBody>
+      </p:sp>
+    </p:spTree>
+    <p:extLst>
+      <p:ext uri="{BB962C8B-B14F-4D97-AF65-F5344CB8AC3E}">
+        <p14:creationId xmlns:p14="http://schemas.microsoft.com/office/powerpoint/2010/main" val="1975392308"/>
+      </p:ext>
+    </p:extLst>
+  </p:cSld>
+  <p:clrMapOvr>
+    <a:masterClrMapping/>
+  </p:clrMapOvr>
+</p:sld>
+</file>
+
+<file path=ppt/slides/slide3.xml><?xml version="1.0" encoding="utf-8"?>
 <p:sld xmlns:a="http://schemas.openxmlformats.org/drawingml/2006/main" xmlns:r="http://schemas.openxmlformats.org/officeDocument/2006/relationships" xmlns:p="http://schemas.openxmlformats.org/presentationml/2006/main">
   <p:cSld>
     <p:spTree>
@@ -13448,1026 +15233,7 @@
 </p:sld>
 </file>
 
-<file path=ppt/slides/slide20.xml><?xml version="1.0" encoding="utf-8"?>
-<p:sld xmlns:a="http://schemas.openxmlformats.org/drawingml/2006/main" xmlns:r="http://schemas.openxmlformats.org/officeDocument/2006/relationships" xmlns:p="http://schemas.openxmlformats.org/presentationml/2006/main">
-  <p:cSld>
-    <p:spTree>
-      <p:nvGrpSpPr>
-        <p:cNvPr id="1" name=""/>
-        <p:cNvGrpSpPr/>
-        <p:nvPr/>
-      </p:nvGrpSpPr>
-      <p:grpSpPr>
-        <a:xfrm>
-          <a:off x="0" y="0"/>
-          <a:ext cx="0" cy="0"/>
-          <a:chOff x="0" y="0"/>
-          <a:chExt cx="0" cy="0"/>
-        </a:xfrm>
-      </p:grpSpPr>
-      <p:sp>
-        <p:nvSpPr>
-          <p:cNvPr id="2" name="Title 1">
-            <a:extLst>
-              <a:ext uri="{FF2B5EF4-FFF2-40B4-BE49-F238E27FC236}">
-                <a16:creationId xmlns:a16="http://schemas.microsoft.com/office/drawing/2014/main" id="{3240DA3F-5262-644A-8A04-EDF80650B9C2}"/>
-              </a:ext>
-            </a:extLst>
-          </p:cNvPr>
-          <p:cNvSpPr>
-            <a:spLocks noGrp="1"/>
-          </p:cNvSpPr>
-          <p:nvPr>
-            <p:ph type="title"/>
-          </p:nvPr>
-        </p:nvSpPr>
-        <p:spPr/>
-        <p:txBody>
-          <a:bodyPr/>
-          <a:lstStyle/>
-          <a:p>
-            <a:r>
-              <a:rPr lang="en-US" dirty="0"/>
-              <a:t>Python Tutor Example #2</a:t>
-            </a:r>
-          </a:p>
-        </p:txBody>
-      </p:sp>
-      <p:sp>
-        <p:nvSpPr>
-          <p:cNvPr id="3" name="Content Placeholder 2">
-            <a:extLst>
-              <a:ext uri="{FF2B5EF4-FFF2-40B4-BE49-F238E27FC236}">
-                <a16:creationId xmlns:a16="http://schemas.microsoft.com/office/drawing/2014/main" id="{284F9A36-1B36-EA49-B322-395902ACCA87}"/>
-              </a:ext>
-            </a:extLst>
-          </p:cNvPr>
-          <p:cNvSpPr>
-            <a:spLocks noGrp="1"/>
-          </p:cNvSpPr>
-          <p:nvPr>
-            <p:ph idx="1"/>
-          </p:nvPr>
-        </p:nvSpPr>
-        <p:spPr/>
-        <p:txBody>
-          <a:bodyPr/>
-          <a:lstStyle/>
-          <a:p>
-            <a:pPr marL="0" indent="0">
-              <a:buNone/>
-            </a:pPr>
-            <a:r>
-              <a:rPr lang="en-US" sz="2200" dirty="0">
-                <a:latin typeface="Source Code Pro" panose="020B0509030403020204" pitchFamily="49" charset="0"/>
-                <a:ea typeface="Source Code Pro" panose="020B0509030403020204" pitchFamily="49" charset="0"/>
-              </a:rPr>
-              <a:t>a = "chipotle"</a:t>
-            </a:r>
-          </a:p>
-          <a:p>
-            <a:pPr marL="0" indent="0">
-              <a:buNone/>
-            </a:pPr>
-            <a:r>
-              <a:rPr lang="en-US" sz="2200" dirty="0">
-                <a:latin typeface="Source Code Pro" panose="020B0509030403020204" pitchFamily="49" charset="0"/>
-                <a:ea typeface="Source Code Pro" panose="020B0509030403020204" pitchFamily="49" charset="0"/>
-              </a:rPr>
-              <a:t>b = 5 &gt; 3</a:t>
-            </a:r>
-          </a:p>
-          <a:p>
-            <a:pPr marL="0" indent="0">
-              <a:buNone/>
-            </a:pPr>
-            <a:r>
-              <a:rPr lang="en-US" sz="2200" dirty="0">
-                <a:latin typeface="Source Code Pro" panose="020B0509030403020204" pitchFamily="49" charset="0"/>
-                <a:ea typeface="Source Code Pro" panose="020B0509030403020204" pitchFamily="49" charset="0"/>
-              </a:rPr>
-              <a:t>c = 8</a:t>
-            </a:r>
-          </a:p>
-          <a:p>
-            <a:pPr marL="0" indent="0">
-              <a:buNone/>
-            </a:pPr>
-            <a:endParaRPr lang="en-US" sz="2200" dirty="0">
-              <a:latin typeface="Source Code Pro" panose="020B0509030403020204" pitchFamily="49" charset="0"/>
-              <a:ea typeface="Source Code Pro" panose="020B0509030403020204" pitchFamily="49" charset="0"/>
-            </a:endParaRPr>
-          </a:p>
-          <a:p>
-            <a:pPr marL="0" indent="0">
-              <a:buNone/>
-            </a:pPr>
-            <a:r>
-              <a:rPr lang="en-US" sz="2200" dirty="0">
-                <a:latin typeface="Source Code Pro" panose="020B0509030403020204" pitchFamily="49" charset="0"/>
-                <a:ea typeface="Source Code Pro" panose="020B0509030403020204" pitchFamily="49" charset="0"/>
-              </a:rPr>
-              <a:t>def foo(c):</a:t>
-            </a:r>
-          </a:p>
-          <a:p>
-            <a:pPr marL="0" indent="0">
-              <a:buNone/>
-            </a:pPr>
-            <a:r>
-              <a:rPr lang="en-US" sz="2200" dirty="0">
-                <a:latin typeface="Source Code Pro" panose="020B0509030403020204" pitchFamily="49" charset="0"/>
-                <a:ea typeface="Source Code Pro" panose="020B0509030403020204" pitchFamily="49" charset="0"/>
-              </a:rPr>
-              <a:t>    return c - 5</a:t>
-            </a:r>
-          </a:p>
-          <a:p>
-            <a:pPr marL="0" indent="0">
-              <a:buNone/>
-            </a:pPr>
-            <a:endParaRPr lang="en-US" sz="2200" dirty="0">
-              <a:latin typeface="Source Code Pro" panose="020B0509030403020204" pitchFamily="49" charset="0"/>
-              <a:ea typeface="Source Code Pro" panose="020B0509030403020204" pitchFamily="49" charset="0"/>
-            </a:endParaRPr>
-          </a:p>
-          <a:p>
-            <a:pPr marL="0" indent="0">
-              <a:buNone/>
-            </a:pPr>
-            <a:r>
-              <a:rPr lang="en-US" sz="2200" dirty="0">
-                <a:latin typeface="Source Code Pro" panose="020B0509030403020204" pitchFamily="49" charset="0"/>
-                <a:ea typeface="Source Code Pro" panose="020B0509030403020204" pitchFamily="49" charset="0"/>
-              </a:rPr>
-              <a:t>def bar():</a:t>
-            </a:r>
-          </a:p>
-          <a:p>
-            <a:pPr marL="0" indent="0">
-              <a:buNone/>
-            </a:pPr>
-            <a:r>
-              <a:rPr lang="en-US" sz="2200" dirty="0">
-                <a:latin typeface="Source Code Pro" panose="020B0509030403020204" pitchFamily="49" charset="0"/>
-                <a:ea typeface="Source Code Pro" panose="020B0509030403020204" pitchFamily="49" charset="0"/>
-              </a:rPr>
-              <a:t>    if b:</a:t>
-            </a:r>
-          </a:p>
-          <a:p>
-            <a:pPr marL="0" indent="0">
-              <a:buNone/>
-            </a:pPr>
-            <a:r>
-              <a:rPr lang="en-US" sz="2200" dirty="0">
-                <a:latin typeface="Source Code Pro" panose="020B0509030403020204" pitchFamily="49" charset="0"/>
-                <a:ea typeface="Source Code Pro" panose="020B0509030403020204" pitchFamily="49" charset="0"/>
-              </a:rPr>
-              <a:t>        a = "taco bell"</a:t>
-            </a:r>
-          </a:p>
-          <a:p>
-            <a:pPr marL="0" indent="0">
-              <a:buNone/>
-            </a:pPr>
-            <a:endParaRPr lang="en-US" sz="2200" dirty="0">
-              <a:latin typeface="Source Code Pro" panose="020B0509030403020204" pitchFamily="49" charset="0"/>
-              <a:ea typeface="Source Code Pro" panose="020B0509030403020204" pitchFamily="49" charset="0"/>
-            </a:endParaRPr>
-          </a:p>
-          <a:p>
-            <a:pPr marL="0" indent="0">
-              <a:buNone/>
-            </a:pPr>
-            <a:r>
-              <a:rPr lang="en-US" sz="2200" dirty="0">
-                <a:latin typeface="Source Code Pro" panose="020B0509030403020204" pitchFamily="49" charset="0"/>
-                <a:ea typeface="Source Code Pro" panose="020B0509030403020204" pitchFamily="49" charset="0"/>
-              </a:rPr>
-              <a:t>result1 = foo(10)</a:t>
-            </a:r>
-          </a:p>
-          <a:p>
-            <a:pPr marL="0" indent="0">
-              <a:buNone/>
-            </a:pPr>
-            <a:r>
-              <a:rPr lang="en-US" sz="2200" dirty="0">
-                <a:latin typeface="Source Code Pro" panose="020B0509030403020204" pitchFamily="49" charset="0"/>
-                <a:ea typeface="Source Code Pro" panose="020B0509030403020204" pitchFamily="49" charset="0"/>
-              </a:rPr>
-              <a:t>result2 = bar()</a:t>
-            </a:r>
-          </a:p>
-        </p:txBody>
-      </p:sp>
-      <p:sp>
-        <p:nvSpPr>
-          <p:cNvPr id="5" name="Footer Placeholder 3">
-            <a:extLst>
-              <a:ext uri="{FF2B5EF4-FFF2-40B4-BE49-F238E27FC236}">
-                <a16:creationId xmlns:a16="http://schemas.microsoft.com/office/drawing/2014/main" id="{063CC9AD-AB85-ED1A-8BBF-11586ADBA2A7}"/>
-              </a:ext>
-            </a:extLst>
-          </p:cNvPr>
-          <p:cNvSpPr>
-            <a:spLocks noGrp="1"/>
-          </p:cNvSpPr>
-          <p:nvPr>
-            <p:ph type="ftr" sz="quarter" idx="10"/>
-          </p:nvPr>
-        </p:nvSpPr>
-        <p:spPr>
-          <a:xfrm>
-            <a:off x="4038599" y="6356350"/>
-            <a:ext cx="4348655" cy="365125"/>
-          </a:xfrm>
-        </p:spPr>
-        <p:txBody>
-          <a:bodyPr/>
-          <a:lstStyle/>
-          <a:p>
-            <a:r>
-              <a:rPr lang="en-US" dirty="0"/>
-              <a:t>Michael Ball | UC Berkeley | https://c88c.org | © CC BY-NC-SA</a:t>
-            </a:r>
-          </a:p>
-        </p:txBody>
-      </p:sp>
-    </p:spTree>
-    <p:extLst>
-      <p:ext uri="{BB962C8B-B14F-4D97-AF65-F5344CB8AC3E}">
-        <p14:creationId xmlns:p14="http://schemas.microsoft.com/office/powerpoint/2010/main" val="3096584794"/>
-      </p:ext>
-    </p:extLst>
-  </p:cSld>
-  <p:clrMapOvr>
-    <a:masterClrMapping/>
-  </p:clrMapOvr>
-</p:sld>
-</file>
-
-<file path=ppt/slides/slide21.xml><?xml version="1.0" encoding="utf-8"?>
-<p:sld xmlns:a="http://schemas.openxmlformats.org/drawingml/2006/main" xmlns:r="http://schemas.openxmlformats.org/officeDocument/2006/relationships" xmlns:p="http://schemas.openxmlformats.org/presentationml/2006/main">
-  <p:cSld>
-    <p:spTree>
-      <p:nvGrpSpPr>
-        <p:cNvPr id="1" name=""/>
-        <p:cNvGrpSpPr/>
-        <p:nvPr/>
-      </p:nvGrpSpPr>
-      <p:grpSpPr>
-        <a:xfrm>
-          <a:off x="0" y="0"/>
-          <a:ext cx="0" cy="0"/>
-          <a:chOff x="0" y="0"/>
-          <a:chExt cx="0" cy="0"/>
-        </a:xfrm>
-      </p:grpSpPr>
-      <p:sp>
-        <p:nvSpPr>
-          <p:cNvPr id="2" name="Title 1">
-            <a:extLst>
-              <a:ext uri="{FF2B5EF4-FFF2-40B4-BE49-F238E27FC236}">
-                <a16:creationId xmlns:a16="http://schemas.microsoft.com/office/drawing/2014/main" id="{80893AED-AB1E-9F40-BE86-23A4ED91A56E}"/>
-              </a:ext>
-            </a:extLst>
-          </p:cNvPr>
-          <p:cNvSpPr>
-            <a:spLocks noGrp="1"/>
-          </p:cNvSpPr>
-          <p:nvPr>
-            <p:ph type="title"/>
-          </p:nvPr>
-        </p:nvSpPr>
-        <p:spPr/>
-        <p:txBody>
-          <a:bodyPr/>
-          <a:lstStyle/>
-          <a:p>
-            <a:r>
-              <a:rPr lang="en-US" dirty="0"/>
-              <a:t>Python Tutor Example #3</a:t>
-            </a:r>
-          </a:p>
-        </p:txBody>
-      </p:sp>
-      <p:sp>
-        <p:nvSpPr>
-          <p:cNvPr id="3" name="Content Placeholder 2">
-            <a:extLst>
-              <a:ext uri="{FF2B5EF4-FFF2-40B4-BE49-F238E27FC236}">
-                <a16:creationId xmlns:a16="http://schemas.microsoft.com/office/drawing/2014/main" id="{96930B3E-847A-CF45-BFCB-5C129A38C53F}"/>
-              </a:ext>
-            </a:extLst>
-          </p:cNvPr>
-          <p:cNvSpPr>
-            <a:spLocks noGrp="1"/>
-          </p:cNvSpPr>
-          <p:nvPr>
-            <p:ph idx="1"/>
-          </p:nvPr>
-        </p:nvSpPr>
-        <p:spPr/>
-        <p:txBody>
-          <a:bodyPr/>
-          <a:lstStyle/>
-          <a:p>
-            <a:pPr marL="0" indent="0">
-              <a:buNone/>
-            </a:pPr>
-            <a:r>
-              <a:rPr lang="en-US" dirty="0">
-                <a:latin typeface="Source Code Pro" panose="020B0509030403020204" pitchFamily="49" charset="77"/>
-              </a:rPr>
-              <a:t>add_2 = </a:t>
-            </a:r>
-            <a:r>
-              <a:rPr lang="en-US" dirty="0" err="1">
-                <a:latin typeface="Source Code Pro" panose="020B0509030403020204" pitchFamily="49" charset="77"/>
-              </a:rPr>
-              <a:t>make_adder</a:t>
-            </a:r>
-            <a:r>
-              <a:rPr lang="en-US" dirty="0">
-                <a:latin typeface="Source Code Pro" panose="020B0509030403020204" pitchFamily="49" charset="77"/>
-              </a:rPr>
-              <a:t>(2)</a:t>
-            </a:r>
-          </a:p>
-          <a:p>
-            <a:pPr marL="0" indent="0">
-              <a:buNone/>
-            </a:pPr>
-            <a:r>
-              <a:rPr lang="en-US" dirty="0">
-                <a:latin typeface="Source Code Pro" panose="020B0509030403020204" pitchFamily="49" charset="77"/>
-              </a:rPr>
-              <a:t>add_3 = </a:t>
-            </a:r>
-            <a:r>
-              <a:rPr lang="en-US" dirty="0" err="1">
-                <a:latin typeface="Source Code Pro" panose="020B0509030403020204" pitchFamily="49" charset="77"/>
-              </a:rPr>
-              <a:t>make_adder</a:t>
-            </a:r>
-            <a:r>
-              <a:rPr lang="en-US" dirty="0">
-                <a:latin typeface="Source Code Pro" panose="020B0509030403020204" pitchFamily="49" charset="77"/>
-              </a:rPr>
-              <a:t>(3)</a:t>
-            </a:r>
-          </a:p>
-          <a:p>
-            <a:pPr marL="0" indent="0">
-              <a:buNone/>
-            </a:pPr>
-            <a:endParaRPr lang="en-US" dirty="0">
-              <a:latin typeface="Source Code Pro" panose="020B0509030403020204" pitchFamily="49" charset="77"/>
-            </a:endParaRPr>
-          </a:p>
-          <a:p>
-            <a:pPr marL="0" indent="0">
-              <a:buNone/>
-            </a:pPr>
-            <a:r>
-              <a:rPr lang="en-US" dirty="0">
-                <a:latin typeface="Source Code Pro" panose="020B0509030403020204" pitchFamily="49" charset="77"/>
-              </a:rPr>
-              <a:t>x = add_2(2)</a:t>
-            </a:r>
-          </a:p>
-          <a:p>
-            <a:pPr marL="0" indent="0">
-              <a:buNone/>
-            </a:pPr>
-            <a:r>
-              <a:rPr lang="en-US" dirty="0">
-                <a:latin typeface="Source Code Pro" panose="020B0509030403020204" pitchFamily="49" charset="77"/>
-              </a:rPr>
-              <a:t>def compose(f, g):</a:t>
-            </a:r>
-          </a:p>
-          <a:p>
-            <a:pPr marL="0" indent="0">
-              <a:buNone/>
-            </a:pPr>
-            <a:r>
-              <a:rPr lang="en-US" dirty="0">
-                <a:latin typeface="Source Code Pro" panose="020B0509030403020204" pitchFamily="49" charset="77"/>
-              </a:rPr>
-              <a:t>    def h(x):</a:t>
-            </a:r>
-          </a:p>
-          <a:p>
-            <a:pPr marL="0" indent="0">
-              <a:buNone/>
-            </a:pPr>
-            <a:r>
-              <a:rPr lang="en-US" dirty="0">
-                <a:latin typeface="Source Code Pro" panose="020B0509030403020204" pitchFamily="49" charset="77"/>
-              </a:rPr>
-              <a:t>        return f(g(x))</a:t>
-            </a:r>
-          </a:p>
-          <a:p>
-            <a:pPr marL="0" indent="0">
-              <a:buNone/>
-            </a:pPr>
-            <a:r>
-              <a:rPr lang="en-US" dirty="0">
-                <a:latin typeface="Source Code Pro" panose="020B0509030403020204" pitchFamily="49" charset="77"/>
-              </a:rPr>
-              <a:t>    return h</a:t>
-            </a:r>
-          </a:p>
-          <a:p>
-            <a:pPr marL="0" indent="0">
-              <a:buNone/>
-            </a:pPr>
-            <a:r>
-              <a:rPr lang="en-US" dirty="0">
-                <a:latin typeface="Source Code Pro" panose="020B0509030403020204" pitchFamily="49" charset="77"/>
-              </a:rPr>
-              <a:t>add_5 = compose(add_2, add_3)</a:t>
-            </a:r>
-          </a:p>
-          <a:p>
-            <a:pPr marL="0" indent="0">
-              <a:buNone/>
-            </a:pPr>
-            <a:r>
-              <a:rPr lang="en-US" dirty="0">
-                <a:latin typeface="Source Code Pro" panose="020B0509030403020204" pitchFamily="49" charset="77"/>
-              </a:rPr>
-              <a:t>z = add_5(x)</a:t>
-            </a:r>
-          </a:p>
-        </p:txBody>
-      </p:sp>
-      <p:sp>
-        <p:nvSpPr>
-          <p:cNvPr id="5" name="Footer Placeholder 3">
-            <a:extLst>
-              <a:ext uri="{FF2B5EF4-FFF2-40B4-BE49-F238E27FC236}">
-                <a16:creationId xmlns:a16="http://schemas.microsoft.com/office/drawing/2014/main" id="{3AF96BFF-6AF9-AFF8-E585-7AA7162824BC}"/>
-              </a:ext>
-            </a:extLst>
-          </p:cNvPr>
-          <p:cNvSpPr>
-            <a:spLocks noGrp="1"/>
-          </p:cNvSpPr>
-          <p:nvPr>
-            <p:ph type="ftr" sz="quarter" idx="10"/>
-          </p:nvPr>
-        </p:nvSpPr>
-        <p:spPr>
-          <a:xfrm>
-            <a:off x="4038599" y="6356350"/>
-            <a:ext cx="4348655" cy="365125"/>
-          </a:xfrm>
-        </p:spPr>
-        <p:txBody>
-          <a:bodyPr/>
-          <a:lstStyle/>
-          <a:p>
-            <a:r>
-              <a:rPr lang="en-US" dirty="0"/>
-              <a:t>Michael Ball | UC Berkeley | https://c88c.org | © CC BY-NC-SA</a:t>
-            </a:r>
-          </a:p>
-        </p:txBody>
-      </p:sp>
-    </p:spTree>
-    <p:extLst>
-      <p:ext uri="{BB962C8B-B14F-4D97-AF65-F5344CB8AC3E}">
-        <p14:creationId xmlns:p14="http://schemas.microsoft.com/office/powerpoint/2010/main" val="3318854379"/>
-      </p:ext>
-    </p:extLst>
-  </p:cSld>
-  <p:clrMapOvr>
-    <a:masterClrMapping/>
-  </p:clrMapOvr>
-</p:sld>
-</file>
-
-<file path=ppt/slides/slide22.xml><?xml version="1.0" encoding="utf-8"?>
-<p:sld xmlns:a="http://schemas.openxmlformats.org/drawingml/2006/main" xmlns:r="http://schemas.openxmlformats.org/officeDocument/2006/relationships" xmlns:p="http://schemas.openxmlformats.org/presentationml/2006/main">
-  <p:cSld>
-    <p:spTree>
-      <p:nvGrpSpPr>
-        <p:cNvPr id="1" name=""/>
-        <p:cNvGrpSpPr/>
-        <p:nvPr/>
-      </p:nvGrpSpPr>
-      <p:grpSpPr>
-        <a:xfrm>
-          <a:off x="0" y="0"/>
-          <a:ext cx="0" cy="0"/>
-          <a:chOff x="0" y="0"/>
-          <a:chExt cx="0" cy="0"/>
-        </a:xfrm>
-      </p:grpSpPr>
-      <p:sp>
-        <p:nvSpPr>
-          <p:cNvPr id="2" name="Title 1">
-            <a:extLst>
-              <a:ext uri="{FF2B5EF4-FFF2-40B4-BE49-F238E27FC236}">
-                <a16:creationId xmlns:a16="http://schemas.microsoft.com/office/drawing/2014/main" id="{3240DA3F-5262-644A-8A04-EDF80650B9C2}"/>
-              </a:ext>
-            </a:extLst>
-          </p:cNvPr>
-          <p:cNvSpPr>
-            <a:spLocks noGrp="1"/>
-          </p:cNvSpPr>
-          <p:nvPr>
-            <p:ph type="title"/>
-          </p:nvPr>
-        </p:nvSpPr>
-        <p:spPr/>
-        <p:txBody>
-          <a:bodyPr/>
-          <a:lstStyle/>
-          <a:p>
-            <a:r>
-              <a:rPr lang="en-US" dirty="0"/>
-              <a:t>Demo</a:t>
-            </a:r>
-          </a:p>
-        </p:txBody>
-      </p:sp>
-      <p:sp>
-        <p:nvSpPr>
-          <p:cNvPr id="3" name="Content Placeholder 2">
-            <a:extLst>
-              <a:ext uri="{FF2B5EF4-FFF2-40B4-BE49-F238E27FC236}">
-                <a16:creationId xmlns:a16="http://schemas.microsoft.com/office/drawing/2014/main" id="{284F9A36-1B36-EA49-B322-395902ACCA87}"/>
-              </a:ext>
-            </a:extLst>
-          </p:cNvPr>
-          <p:cNvSpPr>
-            <a:spLocks noGrp="1"/>
-          </p:cNvSpPr>
-          <p:nvPr>
-            <p:ph idx="1"/>
-          </p:nvPr>
-        </p:nvSpPr>
-        <p:spPr>
-          <a:xfrm>
-            <a:off x="533399" y="1066800"/>
-            <a:ext cx="11225011" cy="5257800"/>
-          </a:xfrm>
-        </p:spPr>
-        <p:txBody>
-          <a:bodyPr/>
-          <a:lstStyle/>
-          <a:p>
-            <a:pPr marL="0" indent="0">
-              <a:buNone/>
-            </a:pPr>
-            <a:r>
-              <a:rPr lang="en-US" sz="2400" dirty="0"/>
-              <a:t>Example 1:</a:t>
-            </a:r>
-          </a:p>
-          <a:p>
-            <a:r>
-              <a:rPr lang="en-US" sz="2400" dirty="0">
-                <a:hlinkClick r:id="rId2"/>
-              </a:rPr>
-              <a:t>make_adder Higher Order Function: Environment Diagram Python Tutor Link</a:t>
-            </a:r>
-            <a:endParaRPr lang="en-US" sz="2400" dirty="0">
-              <a:hlinkClick r:id="rId3"/>
-            </a:endParaRPr>
-          </a:p>
-          <a:p>
-            <a:pPr marL="0" indent="0">
-              <a:buNone/>
-            </a:pPr>
-            <a:r>
-              <a:rPr lang="en-US" sz="2400" dirty="0"/>
-              <a:t>Example 2:</a:t>
-            </a:r>
-            <a:endParaRPr lang="en-US" sz="2400" dirty="0">
-              <a:hlinkClick r:id="rId3"/>
-            </a:endParaRPr>
-          </a:p>
-          <a:p>
-            <a:r>
-              <a:rPr lang="en-US" sz="2400" dirty="0">
-                <a:solidFill>
-                  <a:schemeClr val="tx1">
-                    <a:lumMod val="95000"/>
-                    <a:lumOff val="5000"/>
-                  </a:schemeClr>
-                </a:solidFill>
-                <a:hlinkClick r:id="rId4"/>
-              </a:rPr>
-              <a:t>Primitives and Functions: Environment Diagram Python Tutor</a:t>
-            </a:r>
-            <a:r>
-              <a:rPr lang="en-US" sz="2400" dirty="0">
-                <a:hlinkClick r:id="rId4"/>
-              </a:rPr>
-              <a:t>:</a:t>
-            </a:r>
-            <a:endParaRPr lang="en-US" sz="2400" dirty="0"/>
-          </a:p>
-          <a:p>
-            <a:pPr marL="0" indent="0">
-              <a:buNone/>
-            </a:pPr>
-            <a:r>
-              <a:rPr lang="en-US" sz="2400" dirty="0"/>
-              <a:t>Example 3:</a:t>
-            </a:r>
-          </a:p>
-          <a:p>
-            <a:r>
-              <a:rPr lang="en-US" sz="2400" dirty="0">
-                <a:hlinkClick r:id="rId5"/>
-              </a:rPr>
-              <a:t>Compose Python Tutor Link</a:t>
-            </a:r>
-            <a:endParaRPr lang="en-US" sz="2400" dirty="0"/>
-          </a:p>
-        </p:txBody>
-      </p:sp>
-      <p:sp>
-        <p:nvSpPr>
-          <p:cNvPr id="4" name="Footer Placeholder 3">
-            <a:extLst>
-              <a:ext uri="{FF2B5EF4-FFF2-40B4-BE49-F238E27FC236}">
-                <a16:creationId xmlns:a16="http://schemas.microsoft.com/office/drawing/2014/main" id="{F98321EF-8CA7-4B88-C14F-0290A39B3BC4}"/>
-              </a:ext>
-            </a:extLst>
-          </p:cNvPr>
-          <p:cNvSpPr>
-            <a:spLocks noGrp="1"/>
-          </p:cNvSpPr>
-          <p:nvPr>
-            <p:ph type="ftr" sz="quarter" idx="10"/>
-          </p:nvPr>
-        </p:nvSpPr>
-        <p:spPr>
-          <a:xfrm>
-            <a:off x="4038599" y="6356350"/>
-            <a:ext cx="4348655" cy="365125"/>
-          </a:xfrm>
-        </p:spPr>
-        <p:txBody>
-          <a:bodyPr/>
-          <a:lstStyle/>
-          <a:p>
-            <a:r>
-              <a:rPr lang="en-US" dirty="0"/>
-              <a:t>Michael Ball | UC Berkeley | https://c88c.org | © CC BY-NC-SA</a:t>
-            </a:r>
-          </a:p>
-        </p:txBody>
-      </p:sp>
-    </p:spTree>
-    <p:extLst>
-      <p:ext uri="{BB962C8B-B14F-4D97-AF65-F5344CB8AC3E}">
-        <p14:creationId xmlns:p14="http://schemas.microsoft.com/office/powerpoint/2010/main" val="776121693"/>
-      </p:ext>
-    </p:extLst>
-  </p:cSld>
-  <p:clrMapOvr>
-    <a:masterClrMapping/>
-  </p:clrMapOvr>
-</p:sld>
-</file>
-
-<file path=ppt/slides/slide23.xml><?xml version="1.0" encoding="utf-8"?>
-<p:sld xmlns:a="http://schemas.openxmlformats.org/drawingml/2006/main" xmlns:r="http://schemas.openxmlformats.org/officeDocument/2006/relationships" xmlns:p="http://schemas.openxmlformats.org/presentationml/2006/main">
-  <p:cSld>
-    <p:spTree>
-      <p:nvGrpSpPr>
-        <p:cNvPr id="1" name=""/>
-        <p:cNvGrpSpPr/>
-        <p:nvPr/>
-      </p:nvGrpSpPr>
-      <p:grpSpPr>
-        <a:xfrm>
-          <a:off x="0" y="0"/>
-          <a:ext cx="0" cy="0"/>
-          <a:chOff x="0" y="0"/>
-          <a:chExt cx="0" cy="0"/>
-        </a:xfrm>
-      </p:grpSpPr>
-      <p:sp>
-        <p:nvSpPr>
-          <p:cNvPr id="2" name="Title 1">
-            <a:extLst>
-              <a:ext uri="{FF2B5EF4-FFF2-40B4-BE49-F238E27FC236}">
-                <a16:creationId xmlns:a16="http://schemas.microsoft.com/office/drawing/2014/main" id="{3D058CAE-0705-B045-AD80-3D6241BFCD42}"/>
-              </a:ext>
-            </a:extLst>
-          </p:cNvPr>
-          <p:cNvSpPr>
-            <a:spLocks noGrp="1"/>
-          </p:cNvSpPr>
-          <p:nvPr>
-            <p:ph type="title"/>
-          </p:nvPr>
-        </p:nvSpPr>
-        <p:spPr/>
-        <p:txBody>
-          <a:bodyPr/>
-          <a:lstStyle/>
-          <a:p>
-            <a:r>
-              <a:rPr lang="en-US" dirty="0"/>
-              <a:t>Environment Diagram Tips / Links</a:t>
-            </a:r>
-          </a:p>
-        </p:txBody>
-      </p:sp>
-      <p:sp>
-        <p:nvSpPr>
-          <p:cNvPr id="3" name="Content Placeholder 2">
-            <a:extLst>
-              <a:ext uri="{FF2B5EF4-FFF2-40B4-BE49-F238E27FC236}">
-                <a16:creationId xmlns:a16="http://schemas.microsoft.com/office/drawing/2014/main" id="{40501BF4-AA36-5D41-AE04-17550495ECA3}"/>
-              </a:ext>
-            </a:extLst>
-          </p:cNvPr>
-          <p:cNvSpPr>
-            <a:spLocks noGrp="1"/>
-          </p:cNvSpPr>
-          <p:nvPr>
-            <p:ph idx="1"/>
-          </p:nvPr>
-        </p:nvSpPr>
-        <p:spPr/>
-        <p:txBody>
-          <a:bodyPr/>
-          <a:lstStyle/>
-          <a:p>
-            <a:r>
-              <a:rPr lang="en-US" dirty="0"/>
-              <a:t>NEVER draw an arrow from one variable to another.</a:t>
-            </a:r>
-          </a:p>
-          <a:p>
-            <a:r>
-              <a:rPr lang="en-US" dirty="0"/>
-              <a:t>Useful Resources:</a:t>
-            </a:r>
-          </a:p>
-          <a:p>
-            <a:pPr lvl="1"/>
-            <a:r>
-              <a:rPr lang="en-US" dirty="0"/>
-              <a:t>http://</a:t>
-            </a:r>
-            <a:r>
-              <a:rPr lang="en-US" dirty="0" err="1"/>
-              <a:t>markmiyashita.com</a:t>
-            </a:r>
-            <a:r>
-              <a:rPr lang="en-US" dirty="0"/>
-              <a:t>/cs61a/</a:t>
-            </a:r>
-            <a:r>
-              <a:rPr lang="en-US" dirty="0" err="1"/>
-              <a:t>environment_diagrams</a:t>
-            </a:r>
-            <a:r>
-              <a:rPr lang="en-US" dirty="0"/>
-              <a:t>/</a:t>
-            </a:r>
-            <a:r>
-              <a:rPr lang="en-US" dirty="0" err="1"/>
-              <a:t>rules_of_environment_diagrams</a:t>
-            </a:r>
-            <a:r>
-              <a:rPr lang="en-US" dirty="0"/>
-              <a:t>/</a:t>
-            </a:r>
-          </a:p>
-          <a:p>
-            <a:pPr lvl="1"/>
-            <a:r>
-              <a:rPr lang="en-US" dirty="0"/>
-              <a:t>http://</a:t>
-            </a:r>
-            <a:r>
-              <a:rPr lang="en-US" dirty="0" err="1"/>
-              <a:t>albertwu.org</a:t>
-            </a:r>
-            <a:r>
-              <a:rPr lang="en-US" dirty="0"/>
-              <a:t>/cs61a/notes/</a:t>
-            </a:r>
-            <a:r>
-              <a:rPr lang="en-US" dirty="0" err="1"/>
-              <a:t>environments.html</a:t>
-            </a:r>
-            <a:endParaRPr lang="en-US" dirty="0"/>
-          </a:p>
-          <a:p>
-            <a:endParaRPr lang="en-US" dirty="0"/>
-          </a:p>
-        </p:txBody>
-      </p:sp>
-      <p:sp>
-        <p:nvSpPr>
-          <p:cNvPr id="4" name="Footer Placeholder 3">
-            <a:extLst>
-              <a:ext uri="{FF2B5EF4-FFF2-40B4-BE49-F238E27FC236}">
-                <a16:creationId xmlns:a16="http://schemas.microsoft.com/office/drawing/2014/main" id="{34AAADEA-2ADD-1701-519B-40CA3AA6301C}"/>
-              </a:ext>
-            </a:extLst>
-          </p:cNvPr>
-          <p:cNvSpPr>
-            <a:spLocks noGrp="1"/>
-          </p:cNvSpPr>
-          <p:nvPr>
-            <p:ph type="ftr" sz="quarter" idx="10"/>
-          </p:nvPr>
-        </p:nvSpPr>
-        <p:spPr>
-          <a:xfrm>
-            <a:off x="4038599" y="6356350"/>
-            <a:ext cx="4348655" cy="365125"/>
-          </a:xfrm>
-        </p:spPr>
-        <p:txBody>
-          <a:bodyPr/>
-          <a:lstStyle/>
-          <a:p>
-            <a:r>
-              <a:rPr lang="en-US" dirty="0"/>
-              <a:t>Michael Ball | UC Berkeley | https://c88c.org | © CC BY-NC-SA</a:t>
-            </a:r>
-          </a:p>
-        </p:txBody>
-      </p:sp>
-    </p:spTree>
-    <p:extLst>
-      <p:ext uri="{BB962C8B-B14F-4D97-AF65-F5344CB8AC3E}">
-        <p14:creationId xmlns:p14="http://schemas.microsoft.com/office/powerpoint/2010/main" val="4187754231"/>
-      </p:ext>
-    </p:extLst>
-  </p:cSld>
-  <p:clrMapOvr>
-    <a:masterClrMapping/>
-  </p:clrMapOvr>
-</p:sld>
-</file>
-
-<file path=ppt/slides/slide24.xml><?xml version="1.0" encoding="utf-8"?>
-<p:sld xmlns:a="http://schemas.openxmlformats.org/drawingml/2006/main" xmlns:r="http://schemas.openxmlformats.org/officeDocument/2006/relationships" xmlns:p="http://schemas.openxmlformats.org/presentationml/2006/main">
-  <p:cSld>
-    <p:spTree>
-      <p:nvGrpSpPr>
-        <p:cNvPr id="1" name=""/>
-        <p:cNvGrpSpPr/>
-        <p:nvPr/>
-      </p:nvGrpSpPr>
-      <p:grpSpPr>
-        <a:xfrm>
-          <a:off x="0" y="0"/>
-          <a:ext cx="0" cy="0"/>
-          <a:chOff x="0" y="0"/>
-          <a:chExt cx="0" cy="0"/>
-        </a:xfrm>
-      </p:grpSpPr>
-      <p:sp>
-        <p:nvSpPr>
-          <p:cNvPr id="2" name="Title 1">
-            <a:extLst>
-              <a:ext uri="{FF2B5EF4-FFF2-40B4-BE49-F238E27FC236}">
-                <a16:creationId xmlns:a16="http://schemas.microsoft.com/office/drawing/2014/main" id="{5F0479CD-F02A-7EE2-C762-780E3DC92DD7}"/>
-              </a:ext>
-            </a:extLst>
-          </p:cNvPr>
-          <p:cNvSpPr>
-            <a:spLocks noGrp="1"/>
-          </p:cNvSpPr>
-          <p:nvPr>
-            <p:ph type="title"/>
-          </p:nvPr>
-        </p:nvSpPr>
-        <p:spPr/>
-        <p:txBody>
-          <a:bodyPr/>
-          <a:lstStyle/>
-          <a:p>
-            <a:r>
-              <a:rPr lang="en-US" dirty="0"/>
-              <a:t>Why focus on environments?</a:t>
-            </a:r>
-          </a:p>
-        </p:txBody>
-      </p:sp>
-      <p:sp>
-        <p:nvSpPr>
-          <p:cNvPr id="3" name="Content Placeholder 2">
-            <a:extLst>
-              <a:ext uri="{FF2B5EF4-FFF2-40B4-BE49-F238E27FC236}">
-                <a16:creationId xmlns:a16="http://schemas.microsoft.com/office/drawing/2014/main" id="{683FAB7B-1A79-069F-EBEA-5866C2F44F3A}"/>
-              </a:ext>
-            </a:extLst>
-          </p:cNvPr>
-          <p:cNvSpPr>
-            <a:spLocks noGrp="1"/>
-          </p:cNvSpPr>
-          <p:nvPr>
-            <p:ph idx="1"/>
-          </p:nvPr>
-        </p:nvSpPr>
-        <p:spPr/>
-        <p:txBody>
-          <a:bodyPr/>
-          <a:lstStyle/>
-          <a:p>
-            <a:r>
-              <a:rPr lang="en-US" dirty="0"/>
-              <a:t> Environments are a simplification of why Python actually does</a:t>
-            </a:r>
-          </a:p>
-          <a:p>
-            <a:r>
-              <a:rPr lang="en-US" dirty="0"/>
-              <a:t> Focus on building intuition for what will happen when you run code</a:t>
-            </a:r>
-          </a:p>
-          <a:p>
-            <a:r>
-              <a:rPr lang="en-US" dirty="0"/>
-              <a:t> Sometimes tedious, but the practice helps you solve hard questions</a:t>
-            </a:r>
-          </a:p>
-          <a:p>
-            <a:pPr lvl="1"/>
-            <a:r>
-              <a:rPr lang="en-US" dirty="0"/>
-              <a:t> In 88C (or 61A), even our hard questions are pretty short</a:t>
-            </a:r>
-          </a:p>
-          <a:p>
-            <a:pPr lvl="1"/>
-            <a:r>
-              <a:rPr lang="en-US" dirty="0"/>
-              <a:t> Outside of class, things can get complex quickly.</a:t>
-            </a:r>
-          </a:p>
-          <a:p>
-            <a:r>
-              <a:rPr lang="en-US" dirty="0"/>
-              <a:t> Every programming language is a bit different, but these rules are quite common</a:t>
-            </a:r>
-          </a:p>
-        </p:txBody>
-      </p:sp>
-      <p:sp>
-        <p:nvSpPr>
-          <p:cNvPr id="4" name="Footer Placeholder 3">
-            <a:extLst>
-              <a:ext uri="{FF2B5EF4-FFF2-40B4-BE49-F238E27FC236}">
-                <a16:creationId xmlns:a16="http://schemas.microsoft.com/office/drawing/2014/main" id="{C2DEB053-2832-EFDF-B451-48DB1DF690CF}"/>
-              </a:ext>
-            </a:extLst>
-          </p:cNvPr>
-          <p:cNvSpPr>
-            <a:spLocks noGrp="1"/>
-          </p:cNvSpPr>
-          <p:nvPr>
-            <p:ph type="ftr" sz="quarter" idx="10"/>
-          </p:nvPr>
-        </p:nvSpPr>
-        <p:spPr/>
-        <p:txBody>
-          <a:bodyPr/>
-          <a:lstStyle/>
-          <a:p>
-            <a:r>
-              <a:rPr lang="en-US"/>
-              <a:t>Michael Ball | UC Berkeley | https://c88c.org | © CC BY-NC-SA</a:t>
-            </a:r>
-            <a:endParaRPr lang="en-US" dirty="0"/>
-          </a:p>
-        </p:txBody>
-      </p:sp>
-    </p:spTree>
-    <p:extLst>
-      <p:ext uri="{BB962C8B-B14F-4D97-AF65-F5344CB8AC3E}">
-        <p14:creationId xmlns:p14="http://schemas.microsoft.com/office/powerpoint/2010/main" val="1975392308"/>
-      </p:ext>
-    </p:extLst>
-  </p:cSld>
-  <p:clrMapOvr>
-    <a:masterClrMapping/>
-  </p:clrMapOvr>
-</p:sld>
-</file>
-
-<file path=ppt/slides/slide3.xml><?xml version="1.0" encoding="utf-8"?>
+<file path=ppt/slides/slide4.xml><?xml version="1.0" encoding="utf-8"?>
 <p:sld xmlns:a="http://schemas.openxmlformats.org/drawingml/2006/main" xmlns:r="http://schemas.openxmlformats.org/officeDocument/2006/relationships" xmlns:p="http://schemas.openxmlformats.org/presentationml/2006/main">
   <p:cSld>
     <p:spTree>
@@ -14616,225 +15382,6 @@
 </p:sld>
 </file>
 
-<file path=ppt/slides/slide4.xml><?xml version="1.0" encoding="utf-8"?>
-<p:sld xmlns:a="http://schemas.openxmlformats.org/drawingml/2006/main" xmlns:r="http://schemas.openxmlformats.org/officeDocument/2006/relationships" xmlns:p="http://schemas.openxmlformats.org/presentationml/2006/main" show="0">
-  <p:cSld>
-    <p:spTree>
-      <p:nvGrpSpPr>
-        <p:cNvPr id="1" name=""/>
-        <p:cNvGrpSpPr/>
-        <p:nvPr/>
-      </p:nvGrpSpPr>
-      <p:grpSpPr>
-        <a:xfrm>
-          <a:off x="0" y="0"/>
-          <a:ext cx="0" cy="0"/>
-          <a:chOff x="0" y="0"/>
-          <a:chExt cx="0" cy="0"/>
-        </a:xfrm>
-      </p:grpSpPr>
-      <p:sp>
-        <p:nvSpPr>
-          <p:cNvPr id="2" name="Title 1">
-            <a:extLst>
-              <a:ext uri="{FF2B5EF4-FFF2-40B4-BE49-F238E27FC236}">
-                <a16:creationId xmlns:a16="http://schemas.microsoft.com/office/drawing/2014/main" id="{C3A57493-490E-6541-9973-A295DBF3E35F}"/>
-              </a:ext>
-            </a:extLst>
-          </p:cNvPr>
-          <p:cNvSpPr>
-            <a:spLocks noGrp="1"/>
-          </p:cNvSpPr>
-          <p:nvPr>
-            <p:ph type="title"/>
-          </p:nvPr>
-        </p:nvSpPr>
-        <p:spPr/>
-        <p:txBody>
-          <a:bodyPr/>
-          <a:lstStyle/>
-          <a:p>
-            <a:r>
-              <a:rPr lang="en-US" dirty="0"/>
-              <a:t>Filter and Non-Boolean Functions</a:t>
-            </a:r>
-          </a:p>
-        </p:txBody>
-      </p:sp>
-      <p:sp>
-        <p:nvSpPr>
-          <p:cNvPr id="3" name="Content Placeholder 2">
-            <a:extLst>
-              <a:ext uri="{FF2B5EF4-FFF2-40B4-BE49-F238E27FC236}">
-                <a16:creationId xmlns:a16="http://schemas.microsoft.com/office/drawing/2014/main" id="{AAAEACB3-3528-3B4E-9961-861C7DBB5CBC}"/>
-              </a:ext>
-            </a:extLst>
-          </p:cNvPr>
-          <p:cNvSpPr>
-            <a:spLocks noGrp="1"/>
-          </p:cNvSpPr>
-          <p:nvPr>
-            <p:ph idx="1"/>
-          </p:nvPr>
-        </p:nvSpPr>
-        <p:spPr/>
-        <p:txBody>
-          <a:bodyPr/>
-          <a:lstStyle/>
-          <a:p>
-            <a:pPr marL="0" indent="0">
-              <a:buNone/>
-            </a:pPr>
-            <a:r>
-              <a:rPr lang="en-US" sz="2800" dirty="0">
-                <a:effectLst/>
-                <a:latin typeface="Source Code Pro Light" panose="020B0409030403020204" pitchFamily="49" charset="77"/>
-              </a:rPr>
-              <a:t>&gt;&gt;&gt; list(filter(add_2, range(10)))</a:t>
-            </a:r>
-          </a:p>
-          <a:p>
-            <a:pPr marL="0" indent="0">
-              <a:buNone/>
-            </a:pPr>
-            <a:r>
-              <a:rPr lang="en-US" sz="2800" dirty="0">
-                <a:effectLst/>
-                <a:latin typeface="Source Code Pro Light" panose="020B0409030403020204" pitchFamily="49" charset="77"/>
-              </a:rPr>
-              <a:t>[0, 1, 2, 3, 4, 5, 6, 7, 8, 9]</a:t>
-            </a:r>
-          </a:p>
-          <a:p>
-            <a:pPr marL="0" indent="0">
-              <a:buNone/>
-            </a:pPr>
-            <a:r>
-              <a:rPr lang="en-US" sz="2800" dirty="0">
-                <a:effectLst/>
-                <a:latin typeface="Source Code Pro Light" panose="020B0409030403020204" pitchFamily="49" charset="77"/>
-              </a:rPr>
-              <a:t>&gt;&gt;&gt; if 0:</a:t>
-            </a:r>
-          </a:p>
-          <a:p>
-            <a:pPr marL="0" indent="0">
-              <a:buNone/>
-            </a:pPr>
-            <a:r>
-              <a:rPr lang="en-US" sz="2800" dirty="0">
-                <a:effectLst/>
-                <a:latin typeface="Source Code Pro Light" panose="020B0409030403020204" pitchFamily="49" charset="77"/>
-              </a:rPr>
-              <a:t>...     print("0 is a true value")</a:t>
-            </a:r>
-          </a:p>
-          <a:p>
-            <a:pPr marL="0" indent="0">
-              <a:buNone/>
-            </a:pPr>
-            <a:r>
-              <a:rPr lang="en-US" sz="2800" dirty="0">
-                <a:effectLst/>
-                <a:latin typeface="Source Code Pro Light" panose="020B0409030403020204" pitchFamily="49" charset="77"/>
-              </a:rPr>
-              <a:t>... else:</a:t>
-            </a:r>
-          </a:p>
-          <a:p>
-            <a:pPr marL="0" indent="0">
-              <a:buNone/>
-            </a:pPr>
-            <a:r>
-              <a:rPr lang="en-US" sz="2800" dirty="0">
-                <a:effectLst/>
-                <a:latin typeface="Source Code Pro Light" panose="020B0409030403020204" pitchFamily="49" charset="77"/>
-              </a:rPr>
-              <a:t>...     print("0 is a false value")</a:t>
-            </a:r>
-          </a:p>
-          <a:p>
-            <a:pPr marL="0" indent="0">
-              <a:buNone/>
-            </a:pPr>
-            <a:r>
-              <a:rPr lang="en-US" sz="2800" dirty="0">
-                <a:effectLst/>
-                <a:latin typeface="Source Code Pro Light" panose="020B0409030403020204" pitchFamily="49" charset="77"/>
-              </a:rPr>
-              <a:t>... </a:t>
-            </a:r>
-          </a:p>
-          <a:p>
-            <a:pPr marL="0" indent="0">
-              <a:buNone/>
-            </a:pPr>
-            <a:r>
-              <a:rPr lang="en-US" sz="2800" dirty="0">
-                <a:effectLst/>
-                <a:latin typeface="Source Code Pro Light" panose="020B0409030403020204" pitchFamily="49" charset="77"/>
-              </a:rPr>
-              <a:t>0 is a false value</a:t>
-            </a:r>
-            <a:endParaRPr lang="en-US" sz="2800" dirty="0"/>
-          </a:p>
-          <a:p>
-            <a:pPr marL="0" indent="0" algn="ctr">
-              <a:buNone/>
-            </a:pPr>
-            <a:r>
-              <a:rPr lang="en-US" sz="2800" b="1" dirty="0"/>
-              <a:t>Why is 0 in the output of 0ur filter?</a:t>
-            </a:r>
-          </a:p>
-        </p:txBody>
-      </p:sp>
-      <p:sp>
-        <p:nvSpPr>
-          <p:cNvPr id="4" name="Footer Placeholder 3">
-            <a:extLst>
-              <a:ext uri="{FF2B5EF4-FFF2-40B4-BE49-F238E27FC236}">
-                <a16:creationId xmlns:a16="http://schemas.microsoft.com/office/drawing/2014/main" id="{D0E205E4-156F-9826-3B08-E3851DD84CA1}"/>
-              </a:ext>
-            </a:extLst>
-          </p:cNvPr>
-          <p:cNvSpPr>
-            <a:spLocks noGrp="1"/>
-          </p:cNvSpPr>
-          <p:nvPr>
-            <p:ph type="ftr" sz="quarter" idx="10"/>
-          </p:nvPr>
-        </p:nvSpPr>
-        <p:spPr>
-          <a:xfrm>
-            <a:off x="4038599" y="6356350"/>
-            <a:ext cx="4348655" cy="365125"/>
-          </a:xfrm>
-        </p:spPr>
-        <p:txBody>
-          <a:bodyPr/>
-          <a:lstStyle/>
-          <a:p>
-            <a:r>
-              <a:rPr lang="en-US" dirty="0"/>
-              <a:t>Michael Ball | UC Berkeley | https://c88c.org | © CC BY-NC-SA</a:t>
-            </a:r>
-          </a:p>
-        </p:txBody>
-      </p:sp>
-    </p:spTree>
-    <p:extLst>
-      <p:ext uri="{BB962C8B-B14F-4D97-AF65-F5344CB8AC3E}">
-        <p14:creationId xmlns:p14="http://schemas.microsoft.com/office/powerpoint/2010/main" val="173976312"/>
-      </p:ext>
-    </p:extLst>
-  </p:cSld>
-  <p:clrMapOvr>
-    <a:masterClrMapping/>
-  </p:clrMapOvr>
-</p:sld>
-</file>
-
 <file path=ppt/slides/slide5.xml><?xml version="1.0" encoding="utf-8"?>
 <p:sld xmlns:a="http://schemas.openxmlformats.org/drawingml/2006/main" xmlns:r="http://schemas.openxmlformats.org/officeDocument/2006/relationships" xmlns:p="http://schemas.openxmlformats.org/presentationml/2006/main" show="0">
   <p:cSld>
@@ -14909,6 +15456,225 @@
                 <a:effectLst/>
                 <a:latin typeface="Source Code Pro Light" panose="020B0409030403020204" pitchFamily="49" charset="77"/>
               </a:rPr>
+              <a:t>&gt;&gt;&gt; list(filter(add_2, range(10)))</a:t>
+            </a:r>
+          </a:p>
+          <a:p>
+            <a:pPr marL="0" indent="0">
+              <a:buNone/>
+            </a:pPr>
+            <a:r>
+              <a:rPr lang="en-US" sz="2800" dirty="0">
+                <a:effectLst/>
+                <a:latin typeface="Source Code Pro Light" panose="020B0409030403020204" pitchFamily="49" charset="77"/>
+              </a:rPr>
+              <a:t>[0, 1, 2, 3, 4, 5, 6, 7, 8, 9]</a:t>
+            </a:r>
+          </a:p>
+          <a:p>
+            <a:pPr marL="0" indent="0">
+              <a:buNone/>
+            </a:pPr>
+            <a:r>
+              <a:rPr lang="en-US" sz="2800" dirty="0">
+                <a:effectLst/>
+                <a:latin typeface="Source Code Pro Light" panose="020B0409030403020204" pitchFamily="49" charset="77"/>
+              </a:rPr>
+              <a:t>&gt;&gt;&gt; if 0:</a:t>
+            </a:r>
+          </a:p>
+          <a:p>
+            <a:pPr marL="0" indent="0">
+              <a:buNone/>
+            </a:pPr>
+            <a:r>
+              <a:rPr lang="en-US" sz="2800" dirty="0">
+                <a:effectLst/>
+                <a:latin typeface="Source Code Pro Light" panose="020B0409030403020204" pitchFamily="49" charset="77"/>
+              </a:rPr>
+              <a:t>...     print("0 is a true value")</a:t>
+            </a:r>
+          </a:p>
+          <a:p>
+            <a:pPr marL="0" indent="0">
+              <a:buNone/>
+            </a:pPr>
+            <a:r>
+              <a:rPr lang="en-US" sz="2800" dirty="0">
+                <a:effectLst/>
+                <a:latin typeface="Source Code Pro Light" panose="020B0409030403020204" pitchFamily="49" charset="77"/>
+              </a:rPr>
+              <a:t>... else:</a:t>
+            </a:r>
+          </a:p>
+          <a:p>
+            <a:pPr marL="0" indent="0">
+              <a:buNone/>
+            </a:pPr>
+            <a:r>
+              <a:rPr lang="en-US" sz="2800" dirty="0">
+                <a:effectLst/>
+                <a:latin typeface="Source Code Pro Light" panose="020B0409030403020204" pitchFamily="49" charset="77"/>
+              </a:rPr>
+              <a:t>...     print("0 is a false value")</a:t>
+            </a:r>
+          </a:p>
+          <a:p>
+            <a:pPr marL="0" indent="0">
+              <a:buNone/>
+            </a:pPr>
+            <a:r>
+              <a:rPr lang="en-US" sz="2800" dirty="0">
+                <a:effectLst/>
+                <a:latin typeface="Source Code Pro Light" panose="020B0409030403020204" pitchFamily="49" charset="77"/>
+              </a:rPr>
+              <a:t>... </a:t>
+            </a:r>
+          </a:p>
+          <a:p>
+            <a:pPr marL="0" indent="0">
+              <a:buNone/>
+            </a:pPr>
+            <a:r>
+              <a:rPr lang="en-US" sz="2800" dirty="0">
+                <a:effectLst/>
+                <a:latin typeface="Source Code Pro Light" panose="020B0409030403020204" pitchFamily="49" charset="77"/>
+              </a:rPr>
+              <a:t>0 is a false value</a:t>
+            </a:r>
+            <a:endParaRPr lang="en-US" sz="2800" dirty="0"/>
+          </a:p>
+          <a:p>
+            <a:pPr marL="0" indent="0" algn="ctr">
+              <a:buNone/>
+            </a:pPr>
+            <a:r>
+              <a:rPr lang="en-US" sz="2800" b="1" dirty="0"/>
+              <a:t>Why is 0 in the output of 0ur filter?</a:t>
+            </a:r>
+          </a:p>
+        </p:txBody>
+      </p:sp>
+      <p:sp>
+        <p:nvSpPr>
+          <p:cNvPr id="4" name="Footer Placeholder 3">
+            <a:extLst>
+              <a:ext uri="{FF2B5EF4-FFF2-40B4-BE49-F238E27FC236}">
+                <a16:creationId xmlns:a16="http://schemas.microsoft.com/office/drawing/2014/main" id="{D0E205E4-156F-9826-3B08-E3851DD84CA1}"/>
+              </a:ext>
+            </a:extLst>
+          </p:cNvPr>
+          <p:cNvSpPr>
+            <a:spLocks noGrp="1"/>
+          </p:cNvSpPr>
+          <p:nvPr>
+            <p:ph type="ftr" sz="quarter" idx="10"/>
+          </p:nvPr>
+        </p:nvSpPr>
+        <p:spPr>
+          <a:xfrm>
+            <a:off x="4038599" y="6356350"/>
+            <a:ext cx="4348655" cy="365125"/>
+          </a:xfrm>
+        </p:spPr>
+        <p:txBody>
+          <a:bodyPr/>
+          <a:lstStyle/>
+          <a:p>
+            <a:r>
+              <a:rPr lang="en-US" dirty="0"/>
+              <a:t>Michael Ball | UC Berkeley | https://c88c.org | © CC BY-NC-SA</a:t>
+            </a:r>
+          </a:p>
+        </p:txBody>
+      </p:sp>
+    </p:spTree>
+    <p:extLst>
+      <p:ext uri="{BB962C8B-B14F-4D97-AF65-F5344CB8AC3E}">
+        <p14:creationId xmlns:p14="http://schemas.microsoft.com/office/powerpoint/2010/main" val="173976312"/>
+      </p:ext>
+    </p:extLst>
+  </p:cSld>
+  <p:clrMapOvr>
+    <a:masterClrMapping/>
+  </p:clrMapOvr>
+</p:sld>
+</file>
+
+<file path=ppt/slides/slide6.xml><?xml version="1.0" encoding="utf-8"?>
+<p:sld xmlns:a="http://schemas.openxmlformats.org/drawingml/2006/main" xmlns:r="http://schemas.openxmlformats.org/officeDocument/2006/relationships" xmlns:p="http://schemas.openxmlformats.org/presentationml/2006/main" show="0">
+  <p:cSld>
+    <p:spTree>
+      <p:nvGrpSpPr>
+        <p:cNvPr id="1" name=""/>
+        <p:cNvGrpSpPr/>
+        <p:nvPr/>
+      </p:nvGrpSpPr>
+      <p:grpSpPr>
+        <a:xfrm>
+          <a:off x="0" y="0"/>
+          <a:ext cx="0" cy="0"/>
+          <a:chOff x="0" y="0"/>
+          <a:chExt cx="0" cy="0"/>
+        </a:xfrm>
+      </p:grpSpPr>
+      <p:sp>
+        <p:nvSpPr>
+          <p:cNvPr id="2" name="Title 1">
+            <a:extLst>
+              <a:ext uri="{FF2B5EF4-FFF2-40B4-BE49-F238E27FC236}">
+                <a16:creationId xmlns:a16="http://schemas.microsoft.com/office/drawing/2014/main" id="{C3A57493-490E-6541-9973-A295DBF3E35F}"/>
+              </a:ext>
+            </a:extLst>
+          </p:cNvPr>
+          <p:cNvSpPr>
+            <a:spLocks noGrp="1"/>
+          </p:cNvSpPr>
+          <p:nvPr>
+            <p:ph type="title"/>
+          </p:nvPr>
+        </p:nvSpPr>
+        <p:spPr/>
+        <p:txBody>
+          <a:bodyPr/>
+          <a:lstStyle/>
+          <a:p>
+            <a:r>
+              <a:rPr lang="en-US" dirty="0"/>
+              <a:t>Filter and Non-Boolean Functions</a:t>
+            </a:r>
+          </a:p>
+        </p:txBody>
+      </p:sp>
+      <p:sp>
+        <p:nvSpPr>
+          <p:cNvPr id="3" name="Content Placeholder 2">
+            <a:extLst>
+              <a:ext uri="{FF2B5EF4-FFF2-40B4-BE49-F238E27FC236}">
+                <a16:creationId xmlns:a16="http://schemas.microsoft.com/office/drawing/2014/main" id="{AAAEACB3-3528-3B4E-9961-861C7DBB5CBC}"/>
+              </a:ext>
+            </a:extLst>
+          </p:cNvPr>
+          <p:cNvSpPr>
+            <a:spLocks noGrp="1"/>
+          </p:cNvSpPr>
+          <p:nvPr>
+            <p:ph idx="1"/>
+          </p:nvPr>
+        </p:nvSpPr>
+        <p:spPr/>
+        <p:txBody>
+          <a:bodyPr/>
+          <a:lstStyle/>
+          <a:p>
+            <a:pPr marL="0" indent="0">
+              <a:buNone/>
+            </a:pPr>
+            <a:r>
+              <a:rPr lang="en-US" sz="2800" dirty="0">
+                <a:effectLst/>
+                <a:latin typeface="Source Code Pro Light" panose="020B0409030403020204" pitchFamily="49" charset="77"/>
+              </a:rPr>
               <a:t>&gt;&gt;&gt; [ x </a:t>
             </a:r>
             <a:r>
@@ -14992,7 +15758,7 @@
 </p:sld>
 </file>
 
-<file path=ppt/slides/slide6.xml><?xml version="1.0" encoding="utf-8"?>
+<file path=ppt/slides/slide7.xml><?xml version="1.0" encoding="utf-8"?>
 <p:sld xmlns:a="http://schemas.openxmlformats.org/drawingml/2006/main" xmlns:r="http://schemas.openxmlformats.org/officeDocument/2006/relationships" xmlns:p="http://schemas.openxmlformats.org/presentationml/2006/main">
   <p:cSld>
     <p:spTree>
@@ -15609,7 +16375,7 @@
 </p:sld>
 </file>
 
-<file path=ppt/slides/slide7.xml><?xml version="1.0" encoding="utf-8"?>
+<file path=ppt/slides/slide8.xml><?xml version="1.0" encoding="utf-8"?>
 <p:sld xmlns:a="http://schemas.openxmlformats.org/drawingml/2006/main" xmlns:r="http://schemas.openxmlformats.org/officeDocument/2006/relationships" xmlns:p="http://schemas.openxmlformats.org/presentationml/2006/main">
   <p:cSld>
     <p:spTree>
@@ -16018,538 +16784,6 @@
     <p:extLst>
       <p:ext uri="{BB962C8B-B14F-4D97-AF65-F5344CB8AC3E}">
         <p14:creationId xmlns:p14="http://schemas.microsoft.com/office/powerpoint/2010/main" val="251180740"/>
-      </p:ext>
-    </p:extLst>
-  </p:cSld>
-  <p:clrMapOvr>
-    <a:masterClrMapping/>
-  </p:clrMapOvr>
-</p:sld>
-</file>
-
-<file path=ppt/slides/slide8.xml><?xml version="1.0" encoding="utf-8"?>
-<p:sld xmlns:a="http://schemas.openxmlformats.org/drawingml/2006/main" xmlns:r="http://schemas.openxmlformats.org/officeDocument/2006/relationships" xmlns:p="http://schemas.openxmlformats.org/presentationml/2006/main">
-  <p:cSld>
-    <p:spTree>
-      <p:nvGrpSpPr>
-        <p:cNvPr id="1" name=""/>
-        <p:cNvGrpSpPr/>
-        <p:nvPr/>
-      </p:nvGrpSpPr>
-      <p:grpSpPr>
-        <a:xfrm>
-          <a:off x="0" y="0"/>
-          <a:ext cx="0" cy="0"/>
-          <a:chOff x="0" y="0"/>
-          <a:chExt cx="0" cy="0"/>
-        </a:xfrm>
-      </p:grpSpPr>
-      <p:sp>
-        <p:nvSpPr>
-          <p:cNvPr id="2" name="Title 1">
-            <a:extLst>
-              <a:ext uri="{FF2B5EF4-FFF2-40B4-BE49-F238E27FC236}">
-                <a16:creationId xmlns:a16="http://schemas.microsoft.com/office/drawing/2014/main" id="{D78DEC67-149D-7747-87F3-D940F8EF2C93}"/>
-              </a:ext>
-            </a:extLst>
-          </p:cNvPr>
-          <p:cNvSpPr>
-            <a:spLocks noGrp="1"/>
-          </p:cNvSpPr>
-          <p:nvPr>
-            <p:ph type="title"/>
-          </p:nvPr>
-        </p:nvSpPr>
-        <p:spPr/>
-        <p:txBody>
-          <a:bodyPr/>
-          <a:lstStyle/>
-          <a:p>
-            <a:r>
-              <a:rPr lang="en-US" dirty="0"/>
-              <a:t>Today’s Task: Acronym</a:t>
-            </a:r>
-          </a:p>
-        </p:txBody>
-      </p:sp>
-      <p:sp>
-        <p:nvSpPr>
-          <p:cNvPr id="3" name="Footer Placeholder 3">
-            <a:extLst>
-              <a:ext uri="{FF2B5EF4-FFF2-40B4-BE49-F238E27FC236}">
-                <a16:creationId xmlns:a16="http://schemas.microsoft.com/office/drawing/2014/main" id="{945EF9C5-F59D-F53F-E807-CF0E2DF60EA6}"/>
-              </a:ext>
-            </a:extLst>
-          </p:cNvPr>
-          <p:cNvSpPr>
-            <a:spLocks noGrp="1"/>
-          </p:cNvSpPr>
-          <p:nvPr>
-            <p:ph type="ftr" sz="quarter" idx="10"/>
-          </p:nvPr>
-        </p:nvSpPr>
-        <p:spPr>
-          <a:xfrm>
-            <a:off x="4038599" y="6356350"/>
-            <a:ext cx="4348655" cy="365125"/>
-          </a:xfrm>
-        </p:spPr>
-        <p:txBody>
-          <a:bodyPr/>
-          <a:lstStyle/>
-          <a:p>
-            <a:r>
-              <a:rPr lang="en-US" dirty="0"/>
-              <a:t>Michael Ball | UC Berkeley | https://c88c.org | © CC BY-NC-SA</a:t>
-            </a:r>
-          </a:p>
-        </p:txBody>
-      </p:sp>
-      <p:sp>
-        <p:nvSpPr>
-          <p:cNvPr id="5" name="Rectangle 4">
-            <a:extLst>
-              <a:ext uri="{FF2B5EF4-FFF2-40B4-BE49-F238E27FC236}">
-                <a16:creationId xmlns:a16="http://schemas.microsoft.com/office/drawing/2014/main" id="{F4E01054-B4B8-BC41-8667-60CEB7A01846}"/>
-              </a:ext>
-            </a:extLst>
-          </p:cNvPr>
-          <p:cNvSpPr/>
-          <p:nvPr/>
-        </p:nvSpPr>
-        <p:spPr>
-          <a:xfrm>
-            <a:off x="533400" y="1081668"/>
-            <a:ext cx="8610600" cy="3139321"/>
-          </a:xfrm>
-          <a:prstGeom prst="rect">
-            <a:avLst/>
-          </a:prstGeom>
-        </p:spPr>
-        <p:txBody>
-          <a:bodyPr wrap="square">
-            <a:spAutoFit/>
-          </a:bodyPr>
-          <a:lstStyle/>
-          <a:p>
-            <a:pPr>
-              <a:lnSpc>
-                <a:spcPct val="100000"/>
-              </a:lnSpc>
-            </a:pPr>
-            <a:endParaRPr lang="en-US" spc="-1" dirty="0">
-              <a:solidFill>
-                <a:srgbClr val="000000"/>
-              </a:solidFill>
-              <a:uFill>
-                <a:solidFill>
-                  <a:srgbClr val="FFFFFF"/>
-                </a:solidFill>
-              </a:uFill>
-              <a:latin typeface="Source Code Pro" panose="020B0509030403020204" pitchFamily="49" charset="77"/>
-            </a:endParaRPr>
-          </a:p>
-          <a:p>
-            <a:pPr>
-              <a:lnSpc>
-                <a:spcPct val="100000"/>
-              </a:lnSpc>
-            </a:pPr>
-            <a:r>
-              <a:rPr lang="en-US" spc="-1" dirty="0">
-                <a:solidFill>
-                  <a:srgbClr val="000000"/>
-                </a:solidFill>
-                <a:uFill>
-                  <a:solidFill>
-                    <a:srgbClr val="FFFFFF"/>
-                  </a:solidFill>
-                </a:uFill>
-                <a:latin typeface="Source Code Pro" panose="020B0509030403020204" pitchFamily="49" charset="77"/>
-              </a:rPr>
-              <a:t>Input: "The University of California at Berkeley"</a:t>
-            </a:r>
-          </a:p>
-          <a:p>
-            <a:pPr>
-              <a:lnSpc>
-                <a:spcPct val="100000"/>
-              </a:lnSpc>
-            </a:pPr>
-            <a:endParaRPr lang="en-US" spc="-1" dirty="0">
-              <a:solidFill>
-                <a:srgbClr val="000000"/>
-              </a:solidFill>
-              <a:uFill>
-                <a:solidFill>
-                  <a:srgbClr val="FFFFFF"/>
-                </a:solidFill>
-              </a:uFill>
-              <a:latin typeface="Source Code Pro" panose="020B0509030403020204" pitchFamily="49" charset="77"/>
-            </a:endParaRPr>
-          </a:p>
-          <a:p>
-            <a:pPr>
-              <a:lnSpc>
-                <a:spcPct val="100000"/>
-              </a:lnSpc>
-            </a:pPr>
-            <a:r>
-              <a:rPr lang="en-US" spc="-1" dirty="0">
-                <a:solidFill>
-                  <a:srgbClr val="000000"/>
-                </a:solidFill>
-                <a:uFill>
-                  <a:solidFill>
-                    <a:srgbClr val="FFFFFF"/>
-                  </a:solidFill>
-                </a:uFill>
-                <a:latin typeface="Source Code Pro" panose="020B0509030403020204" pitchFamily="49" charset="77"/>
-              </a:rPr>
-              <a:t>Output: "UCB"</a:t>
-            </a:r>
-          </a:p>
-          <a:p>
-            <a:pPr>
-              <a:lnSpc>
-                <a:spcPct val="100000"/>
-              </a:lnSpc>
-            </a:pPr>
-            <a:r>
-              <a:rPr lang="en-US" spc="-1" dirty="0">
-                <a:solidFill>
-                  <a:srgbClr val="000000"/>
-                </a:solidFill>
-                <a:uFill>
-                  <a:solidFill>
-                    <a:srgbClr val="FFFFFF"/>
-                  </a:solidFill>
-                </a:uFill>
-                <a:latin typeface="Source Code Pro" panose="020B0509030403020204" pitchFamily="49" charset="77"/>
-              </a:rPr>
-              <a:t>def acronym(sentence):</a:t>
-            </a:r>
-          </a:p>
-          <a:p>
-            <a:pPr>
-              <a:lnSpc>
-                <a:spcPct val="100000"/>
-              </a:lnSpc>
-            </a:pPr>
-            <a:r>
-              <a:rPr lang="en-US" spc="-1" dirty="0">
-                <a:solidFill>
-                  <a:srgbClr val="000000"/>
-                </a:solidFill>
-                <a:uFill>
-                  <a:solidFill>
-                    <a:srgbClr val="FFFFFF"/>
-                  </a:solidFill>
-                </a:uFill>
-                <a:latin typeface="Source Code Pro" panose="020B0509030403020204" pitchFamily="49" charset="77"/>
-              </a:rPr>
-              <a:t>    """ (Some </a:t>
-            </a:r>
-            <a:r>
-              <a:rPr lang="en-US" spc="-1" dirty="0" err="1">
-                <a:solidFill>
-                  <a:srgbClr val="000000"/>
-                </a:solidFill>
-                <a:uFill>
-                  <a:solidFill>
-                    <a:srgbClr val="FFFFFF"/>
-                  </a:solidFill>
-                </a:uFill>
-                <a:latin typeface="Source Code Pro" panose="020B0509030403020204" pitchFamily="49" charset="77"/>
-              </a:rPr>
-              <a:t>doctests</a:t>
-            </a:r>
-            <a:r>
-              <a:rPr lang="en-US" spc="-1" dirty="0">
-                <a:solidFill>
-                  <a:srgbClr val="000000"/>
-                </a:solidFill>
-                <a:uFill>
-                  <a:solidFill>
-                    <a:srgbClr val="FFFFFF"/>
-                  </a:solidFill>
-                </a:uFill>
-                <a:latin typeface="Source Code Pro" panose="020B0509030403020204" pitchFamily="49" charset="77"/>
-              </a:rPr>
-              <a:t>)</a:t>
-            </a:r>
-          </a:p>
-          <a:p>
-            <a:pPr>
-              <a:lnSpc>
-                <a:spcPct val="100000"/>
-              </a:lnSpc>
-            </a:pPr>
-            <a:r>
-              <a:rPr lang="en-US" spc="-1" dirty="0">
-                <a:solidFill>
-                  <a:srgbClr val="000000"/>
-                </a:solidFill>
-                <a:uFill>
-                  <a:solidFill>
-                    <a:srgbClr val="FFFFFF"/>
-                  </a:solidFill>
-                </a:uFill>
-                <a:latin typeface="Source Code Pro" panose="020B0509030403020204" pitchFamily="49" charset="77"/>
-              </a:rPr>
-              <a:t>    """</a:t>
-            </a:r>
-          </a:p>
-          <a:p>
-            <a:pPr>
-              <a:lnSpc>
-                <a:spcPct val="100000"/>
-              </a:lnSpc>
-            </a:pPr>
-            <a:r>
-              <a:rPr lang="en-US" spc="-1" dirty="0">
-                <a:solidFill>
-                  <a:srgbClr val="000000"/>
-                </a:solidFill>
-                <a:uFill>
-                  <a:solidFill>
-                    <a:srgbClr val="FFFFFF"/>
-                  </a:solidFill>
-                </a:uFill>
-                <a:latin typeface="Source Code Pro" panose="020B0509030403020204" pitchFamily="49" charset="77"/>
-              </a:rPr>
-              <a:t>    words = </a:t>
-            </a:r>
-            <a:r>
-              <a:rPr lang="en-US" spc="-1" dirty="0" err="1">
-                <a:solidFill>
-                  <a:srgbClr val="000000"/>
-                </a:solidFill>
-                <a:uFill>
-                  <a:solidFill>
-                    <a:srgbClr val="FFFFFF"/>
-                  </a:solidFill>
-                </a:uFill>
-                <a:latin typeface="Source Code Pro" panose="020B0509030403020204" pitchFamily="49" charset="77"/>
-              </a:rPr>
-              <a:t>sentence.split</a:t>
-            </a:r>
-            <a:r>
-              <a:rPr lang="en-US" spc="-1" dirty="0">
-                <a:solidFill>
-                  <a:srgbClr val="000000"/>
-                </a:solidFill>
-                <a:uFill>
-                  <a:solidFill>
-                    <a:srgbClr val="FFFFFF"/>
-                  </a:solidFill>
-                </a:uFill>
-                <a:latin typeface="Source Code Pro" panose="020B0509030403020204" pitchFamily="49" charset="77"/>
-              </a:rPr>
-              <a:t>()</a:t>
-            </a:r>
-          </a:p>
-          <a:p>
-            <a:pPr>
-              <a:lnSpc>
-                <a:spcPct val="100000"/>
-              </a:lnSpc>
-            </a:pPr>
-            <a:r>
-              <a:rPr lang="en-US" spc="-1" dirty="0">
-                <a:solidFill>
-                  <a:srgbClr val="000000"/>
-                </a:solidFill>
-                <a:uFill>
-                  <a:solidFill>
-                    <a:srgbClr val="FFFFFF"/>
-                  </a:solidFill>
-                </a:uFill>
-                <a:latin typeface="Source Code Pro" panose="020B0509030403020204" pitchFamily="49" charset="77"/>
-              </a:rPr>
-              <a:t>    return reduce(add, map(</a:t>
-            </a:r>
-            <a:r>
-              <a:rPr lang="en-US" spc="-1" dirty="0" err="1">
-                <a:solidFill>
-                  <a:srgbClr val="000000"/>
-                </a:solidFill>
-                <a:uFill>
-                  <a:solidFill>
-                    <a:srgbClr val="FFFFFF"/>
-                  </a:solidFill>
-                </a:uFill>
-                <a:latin typeface="Source Code Pro" panose="020B0509030403020204" pitchFamily="49" charset="77"/>
-              </a:rPr>
-              <a:t>first_letter</a:t>
-            </a:r>
-            <a:r>
-              <a:rPr lang="en-US" spc="-1" dirty="0">
-                <a:solidFill>
-                  <a:srgbClr val="000000"/>
-                </a:solidFill>
-                <a:uFill>
-                  <a:solidFill>
-                    <a:srgbClr val="FFFFFF"/>
-                  </a:solidFill>
-                </a:uFill>
-                <a:latin typeface="Source Code Pro" panose="020B0509030403020204" pitchFamily="49" charset="77"/>
-              </a:rPr>
-              <a:t>, filter(</a:t>
-            </a:r>
-            <a:r>
-              <a:rPr lang="en-US" spc="-1" dirty="0" err="1">
-                <a:solidFill>
-                  <a:srgbClr val="000000"/>
-                </a:solidFill>
-                <a:uFill>
-                  <a:solidFill>
-                    <a:srgbClr val="FFFFFF"/>
-                  </a:solidFill>
-                </a:uFill>
-                <a:latin typeface="Source Code Pro" panose="020B0509030403020204" pitchFamily="49" charset="77"/>
-              </a:rPr>
-              <a:t>long_word</a:t>
-            </a:r>
-            <a:r>
-              <a:rPr lang="en-US" spc="-1" dirty="0">
-                <a:solidFill>
-                  <a:srgbClr val="000000"/>
-                </a:solidFill>
-                <a:uFill>
-                  <a:solidFill>
-                    <a:srgbClr val="FFFFFF"/>
-                  </a:solidFill>
-                </a:uFill>
-                <a:latin typeface="Source Code Pro" panose="020B0509030403020204" pitchFamily="49" charset="77"/>
-              </a:rPr>
-              <a:t>, words)))</a:t>
-            </a:r>
-          </a:p>
-          <a:p>
-            <a:pPr>
-              <a:lnSpc>
-                <a:spcPct val="100000"/>
-              </a:lnSpc>
-            </a:pPr>
-            <a:endParaRPr lang="en-US" spc="-1" dirty="0">
-              <a:solidFill>
-                <a:srgbClr val="000000"/>
-              </a:solidFill>
-              <a:uFill>
-                <a:solidFill>
-                  <a:srgbClr val="FFFFFF"/>
-                </a:solidFill>
-              </a:uFill>
-              <a:latin typeface="Source Code Pro" panose="020B0509030403020204" pitchFamily="49" charset="77"/>
-            </a:endParaRPr>
-          </a:p>
-        </p:txBody>
-      </p:sp>
-      <p:sp>
-        <p:nvSpPr>
-          <p:cNvPr id="7" name="TextShape 11">
-            <a:extLst>
-              <a:ext uri="{FF2B5EF4-FFF2-40B4-BE49-F238E27FC236}">
-                <a16:creationId xmlns:a16="http://schemas.microsoft.com/office/drawing/2014/main" id="{55609106-671F-E84E-8744-3B2453668F27}"/>
-              </a:ext>
-            </a:extLst>
-          </p:cNvPr>
-          <p:cNvSpPr txBox="1"/>
-          <p:nvPr/>
-        </p:nvSpPr>
-        <p:spPr>
-          <a:xfrm>
-            <a:off x="2281080" y="5012456"/>
-            <a:ext cx="7171560" cy="602280"/>
-          </a:xfrm>
-          <a:prstGeom prst="rect">
-            <a:avLst/>
-          </a:prstGeom>
-          <a:noFill/>
-          <a:ln>
-            <a:noFill/>
-          </a:ln>
-        </p:spPr>
-        <p:txBody>
-          <a:bodyPr lIns="90000" tIns="45000" rIns="90000" bIns="45000"/>
-          <a:lstStyle/>
-          <a:p>
-            <a:r>
-              <a:rPr lang="en-US" spc="-1" dirty="0">
-                <a:solidFill>
-                  <a:srgbClr val="000000"/>
-                </a:solidFill>
-                <a:uFill>
-                  <a:solidFill>
-                    <a:srgbClr val="FFFFFF"/>
-                  </a:solidFill>
-                </a:uFill>
-                <a:latin typeface="Arial"/>
-              </a:rPr>
-              <a:t>P.S. Pedantry alert: This is really an </a:t>
-            </a:r>
-            <a:r>
-              <a:rPr lang="en-US" i="1" spc="-1" dirty="0">
-                <a:solidFill>
-                  <a:srgbClr val="000000"/>
-                </a:solidFill>
-                <a:uFill>
-                  <a:solidFill>
-                    <a:srgbClr val="FFFFFF"/>
-                  </a:solidFill>
-                </a:uFill>
-                <a:latin typeface="Arial"/>
-              </a:rPr>
-              <a:t>initialism</a:t>
-            </a:r>
-            <a:r>
-              <a:rPr lang="en-US" spc="-1" dirty="0">
-                <a:solidFill>
-                  <a:srgbClr val="000000"/>
-                </a:solidFill>
-                <a:uFill>
-                  <a:solidFill>
-                    <a:srgbClr val="FFFFFF"/>
-                  </a:solidFill>
-                </a:uFill>
-                <a:latin typeface="Arial"/>
-              </a:rPr>
-              <a:t> but that's rather annoying to say and type. </a:t>
-            </a:r>
-            <a:r>
-              <a:rPr lang="en-US" spc="-1" dirty="0">
-                <a:solidFill>
-                  <a:srgbClr val="000000"/>
-                </a:solidFill>
-                <a:uFill>
-                  <a:solidFill>
-                    <a:srgbClr val="FFFFFF"/>
-                  </a:solidFill>
-                </a:uFill>
-                <a:latin typeface="Arial"/>
-                <a:sym typeface="Wingdings" pitchFamily="2" charset="2"/>
-              </a:rPr>
-              <a:t> (However, the code we write is the same, the difference is in how you pronounce the result.) The more you know!</a:t>
-            </a:r>
-            <a:endParaRPr lang="en-US" spc="-1" dirty="0">
-              <a:solidFill>
-                <a:srgbClr val="000000"/>
-              </a:solidFill>
-              <a:uFill>
-                <a:solidFill>
-                  <a:srgbClr val="FFFFFF"/>
-                </a:solidFill>
-              </a:uFill>
-              <a:latin typeface="Arial"/>
-            </a:endParaRPr>
-          </a:p>
-        </p:txBody>
-      </p:sp>
-    </p:spTree>
-    <p:extLst>
-      <p:ext uri="{BB962C8B-B14F-4D97-AF65-F5344CB8AC3E}">
-        <p14:creationId xmlns:p14="http://schemas.microsoft.com/office/powerpoint/2010/main" val="3338411237"/>
       </p:ext>
     </p:extLst>
   </p:cSld>
@@ -16581,7 +16815,7 @@
           <p:cNvPr id="2" name="Title 1">
             <a:extLst>
               <a:ext uri="{FF2B5EF4-FFF2-40B4-BE49-F238E27FC236}">
-                <a16:creationId xmlns:a16="http://schemas.microsoft.com/office/drawing/2014/main" id="{4C391A7B-517B-1F28-7683-AA06AF06A49F}"/>
+                <a16:creationId xmlns:a16="http://schemas.microsoft.com/office/drawing/2014/main" id="{D78DEC67-149D-7747-87F3-D940F8EF2C93}"/>
               </a:ext>
             </a:extLst>
           </p:cNvPr>
@@ -16599,251 +16833,17 @@
           <a:p>
             <a:r>
               <a:rPr lang="en-US" dirty="0"/>
-              <a:t>Acronym With HOFs</a:t>
-            </a:r>
-          </a:p>
-        </p:txBody>
-      </p:sp>
-      <p:sp>
-        <p:nvSpPr>
-          <p:cNvPr id="3" name="Content Placeholder 2">
+              <a:t>Today’s Task: Acronym</a:t>
+            </a:r>
+          </a:p>
+        </p:txBody>
+      </p:sp>
+      <p:sp>
+        <p:nvSpPr>
+          <p:cNvPr id="3" name="Footer Placeholder 3">
             <a:extLst>
               <a:ext uri="{FF2B5EF4-FFF2-40B4-BE49-F238E27FC236}">
-                <a16:creationId xmlns:a16="http://schemas.microsoft.com/office/drawing/2014/main" id="{0EBA5618-B947-D60E-CA5F-2F85BE526602}"/>
-              </a:ext>
-            </a:extLst>
-          </p:cNvPr>
-          <p:cNvSpPr>
-            <a:spLocks noGrp="1"/>
-          </p:cNvSpPr>
-          <p:nvPr>
-            <p:ph idx="1"/>
-          </p:nvPr>
-        </p:nvSpPr>
-        <p:spPr/>
-        <p:txBody>
-          <a:bodyPr/>
-          <a:lstStyle/>
-          <a:p>
-            <a:pPr marL="0" indent="0">
-              <a:buNone/>
-            </a:pPr>
-            <a:r>
-              <a:rPr lang="en-US" dirty="0"/>
-              <a:t>What is we want to control the filtering method?</a:t>
-            </a:r>
-          </a:p>
-          <a:p>
-            <a:pPr marL="0" indent="0">
-              <a:buNone/>
-            </a:pPr>
-            <a:endParaRPr lang="en-US" dirty="0"/>
-          </a:p>
-          <a:p>
-            <a:pPr marL="0" indent="0">
-              <a:buNone/>
-            </a:pPr>
-            <a:r>
-              <a:rPr lang="en-US" dirty="0">
-                <a:latin typeface="Source Code Pro" panose="020B0509030403020204" pitchFamily="49" charset="77"/>
-              </a:rPr>
-              <a:t>def </a:t>
-            </a:r>
-            <a:r>
-              <a:rPr lang="en-US" dirty="0" err="1">
-                <a:latin typeface="Source Code Pro" panose="020B0509030403020204" pitchFamily="49" charset="77"/>
-              </a:rPr>
-              <a:t>keep_words</a:t>
-            </a:r>
-            <a:r>
-              <a:rPr lang="en-US" dirty="0">
-                <a:latin typeface="Source Code Pro" panose="020B0509030403020204" pitchFamily="49" charset="77"/>
-              </a:rPr>
-              <a:t>(word):</a:t>
-            </a:r>
-          </a:p>
-          <a:p>
-            <a:pPr marL="0" indent="0">
-              <a:buNone/>
-            </a:pPr>
-            <a:r>
-              <a:rPr lang="en-US" dirty="0">
-                <a:latin typeface="Source Code Pro" panose="020B0509030403020204" pitchFamily="49" charset="77"/>
-              </a:rPr>
-              <a:t>    specials = ['Los']</a:t>
-            </a:r>
-          </a:p>
-          <a:p>
-            <a:pPr marL="0" indent="0">
-              <a:buNone/>
-            </a:pPr>
-            <a:r>
-              <a:rPr lang="en-US" dirty="0">
-                <a:latin typeface="Source Code Pro" panose="020B0509030403020204" pitchFamily="49" charset="77"/>
-              </a:rPr>
-              <a:t>    return word in specials or </a:t>
-            </a:r>
-            <a:r>
-              <a:rPr lang="en-US" dirty="0" err="1">
-                <a:latin typeface="Source Code Pro" panose="020B0509030403020204" pitchFamily="49" charset="77"/>
-              </a:rPr>
-              <a:t>long_word</a:t>
-            </a:r>
-            <a:r>
-              <a:rPr lang="en-US" dirty="0">
-                <a:latin typeface="Source Code Pro" panose="020B0509030403020204" pitchFamily="49" charset="77"/>
-              </a:rPr>
-              <a:t>(word)</a:t>
-            </a:r>
-          </a:p>
-          <a:p>
-            <a:pPr marL="0" indent="0">
-              <a:buNone/>
-            </a:pPr>
-            <a:endParaRPr lang="en-US" dirty="0">
-              <a:latin typeface="Source Code Pro" panose="020B0509030403020204" pitchFamily="49" charset="77"/>
-            </a:endParaRPr>
-          </a:p>
-          <a:p>
-            <a:pPr marL="0" indent="0">
-              <a:buNone/>
-            </a:pPr>
-            <a:r>
-              <a:rPr lang="en-US" dirty="0">
-                <a:latin typeface="Source Code Pro" panose="020B0509030403020204" pitchFamily="49" charset="77"/>
-              </a:rPr>
-              <a:t>def </a:t>
-            </a:r>
-            <a:r>
-              <a:rPr lang="en-US" dirty="0" err="1">
-                <a:latin typeface="Source Code Pro" panose="020B0509030403020204" pitchFamily="49" charset="77"/>
-              </a:rPr>
-              <a:t>acronym_hof</a:t>
-            </a:r>
-            <a:r>
-              <a:rPr lang="en-US" dirty="0">
-                <a:latin typeface="Source Code Pro" panose="020B0509030403020204" pitchFamily="49" charset="77"/>
-              </a:rPr>
-              <a:t>(sentence, </a:t>
-            </a:r>
-            <a:r>
-              <a:rPr lang="en-US" b="1" dirty="0" err="1">
-                <a:latin typeface="Source Code Pro" panose="020B0509030403020204" pitchFamily="49" charset="77"/>
-              </a:rPr>
-              <a:t>filter_fn</a:t>
-            </a:r>
-            <a:r>
-              <a:rPr lang="en-US" dirty="0">
-                <a:latin typeface="Source Code Pro" panose="020B0509030403020204" pitchFamily="49" charset="77"/>
-              </a:rPr>
-              <a:t>):</a:t>
-            </a:r>
-          </a:p>
-          <a:p>
-            <a:pPr marL="0" indent="0">
-              <a:buNone/>
-            </a:pPr>
-            <a:r>
-              <a:rPr lang="en-US" dirty="0">
-                <a:latin typeface="Source Code Pro" panose="020B0509030403020204" pitchFamily="49" charset="77"/>
-              </a:rPr>
-              <a:t>    words = </a:t>
-            </a:r>
-            <a:r>
-              <a:rPr lang="en-US" dirty="0" err="1">
-                <a:latin typeface="Source Code Pro" panose="020B0509030403020204" pitchFamily="49" charset="77"/>
-              </a:rPr>
-              <a:t>sentence.split</a:t>
-            </a:r>
-            <a:r>
-              <a:rPr lang="en-US" dirty="0">
-                <a:latin typeface="Source Code Pro" panose="020B0509030403020204" pitchFamily="49" charset="77"/>
-              </a:rPr>
-              <a:t>()</a:t>
-            </a:r>
-          </a:p>
-          <a:p>
-            <a:pPr marL="0" indent="0">
-              <a:buNone/>
-            </a:pPr>
-            <a:r>
-              <a:rPr lang="en-US" dirty="0">
-                <a:latin typeface="Source Code Pro" panose="020B0509030403020204" pitchFamily="49" charset="77"/>
-              </a:rPr>
-              <a:t>    return reduce(add, map(</a:t>
-            </a:r>
-            <a:r>
-              <a:rPr lang="en-US" dirty="0" err="1">
-                <a:latin typeface="Source Code Pro" panose="020B0509030403020204" pitchFamily="49" charset="77"/>
-              </a:rPr>
-              <a:t>first_letter</a:t>
-            </a:r>
-            <a:r>
-              <a:rPr lang="en-US" dirty="0">
-                <a:latin typeface="Source Code Pro" panose="020B0509030403020204" pitchFamily="49" charset="77"/>
-              </a:rPr>
-              <a:t>, filter(</a:t>
-            </a:r>
-            <a:r>
-              <a:rPr lang="en-US" b="1" dirty="0" err="1">
-                <a:latin typeface="Source Code Pro" panose="020B0509030403020204" pitchFamily="49" charset="77"/>
-              </a:rPr>
-              <a:t>filter_fn</a:t>
-            </a:r>
-            <a:r>
-              <a:rPr lang="en-US" dirty="0">
-                <a:latin typeface="Source Code Pro" panose="020B0509030403020204" pitchFamily="49" charset="77"/>
-              </a:rPr>
-              <a:t>, words)))</a:t>
-            </a:r>
-          </a:p>
-          <a:p>
-            <a:pPr marL="0" indent="0">
-              <a:buNone/>
-            </a:pPr>
-            <a:endParaRPr lang="en-US" dirty="0"/>
-          </a:p>
-          <a:p>
-            <a:pPr marL="0" indent="0">
-              <a:buNone/>
-            </a:pPr>
-            <a:r>
-              <a:rPr lang="en-US" dirty="0" err="1">
-                <a:latin typeface="Source Code Pro" panose="020B0309030403020204" pitchFamily="34" charset="0"/>
-                <a:ea typeface="Source Code Pro" panose="020B0309030403020204" pitchFamily="34" charset="0"/>
-              </a:rPr>
-              <a:t>acronym_hof</a:t>
-            </a:r>
-            <a:r>
-              <a:rPr lang="en-US" dirty="0">
-                <a:latin typeface="Source Code Pro" panose="020B0309030403020204" pitchFamily="34" charset="0"/>
-                <a:ea typeface="Source Code Pro" panose="020B0309030403020204" pitchFamily="34" charset="0"/>
-              </a:rPr>
-              <a:t>(copycats, </a:t>
-            </a:r>
-            <a:r>
-              <a:rPr lang="en-US" dirty="0" err="1">
-                <a:latin typeface="Source Code Pro" panose="020B0309030403020204" pitchFamily="34" charset="0"/>
-                <a:ea typeface="Source Code Pro" panose="020B0309030403020204" pitchFamily="34" charset="0"/>
-              </a:rPr>
-              <a:t>keep_words</a:t>
-            </a:r>
-            <a:r>
-              <a:rPr lang="en-US" dirty="0">
-                <a:latin typeface="Source Code Pro" panose="020B0309030403020204" pitchFamily="34" charset="0"/>
-                <a:ea typeface="Source Code Pro" panose="020B0309030403020204" pitchFamily="34" charset="0"/>
-              </a:rPr>
-              <a:t>)</a:t>
-            </a:r>
-          </a:p>
-        </p:txBody>
-      </p:sp>
-      <p:sp>
-        <p:nvSpPr>
-          <p:cNvPr id="4" name="Footer Placeholder 3">
-            <a:extLst>
-              <a:ext uri="{FF2B5EF4-FFF2-40B4-BE49-F238E27FC236}">
-                <a16:creationId xmlns:a16="http://schemas.microsoft.com/office/drawing/2014/main" id="{9190173E-420E-9A58-E65B-E03B8A83BE80}"/>
+                <a16:creationId xmlns:a16="http://schemas.microsoft.com/office/drawing/2014/main" id="{945EF9C5-F59D-F53F-E807-CF0E2DF60EA6}"/>
               </a:ext>
             </a:extLst>
           </p:cNvPr>
@@ -16871,10 +16871,451 @@
           </a:p>
         </p:txBody>
       </p:sp>
+      <p:sp>
+        <p:nvSpPr>
+          <p:cNvPr id="5" name="Rectangle 4">
+            <a:extLst>
+              <a:ext uri="{FF2B5EF4-FFF2-40B4-BE49-F238E27FC236}">
+                <a16:creationId xmlns:a16="http://schemas.microsoft.com/office/drawing/2014/main" id="{F4E01054-B4B8-BC41-8667-60CEB7A01846}"/>
+              </a:ext>
+            </a:extLst>
+          </p:cNvPr>
+          <p:cNvSpPr/>
+          <p:nvPr/>
+        </p:nvSpPr>
+        <p:spPr>
+          <a:xfrm>
+            <a:off x="533400" y="1081668"/>
+            <a:ext cx="8610600" cy="3139321"/>
+          </a:xfrm>
+          <a:prstGeom prst="rect">
+            <a:avLst/>
+          </a:prstGeom>
+        </p:spPr>
+        <p:txBody>
+          <a:bodyPr wrap="square">
+            <a:spAutoFit/>
+          </a:bodyPr>
+          <a:lstStyle/>
+          <a:p>
+            <a:pPr>
+              <a:lnSpc>
+                <a:spcPct val="100000"/>
+              </a:lnSpc>
+            </a:pPr>
+            <a:endParaRPr lang="en-US" spc="-1" dirty="0">
+              <a:solidFill>
+                <a:srgbClr val="000000"/>
+              </a:solidFill>
+              <a:uFill>
+                <a:solidFill>
+                  <a:srgbClr val="FFFFFF"/>
+                </a:solidFill>
+              </a:uFill>
+              <a:latin typeface="Source Code Pro" panose="020B0509030403020204" pitchFamily="49" charset="77"/>
+            </a:endParaRPr>
+          </a:p>
+          <a:p>
+            <a:pPr>
+              <a:lnSpc>
+                <a:spcPct val="100000"/>
+              </a:lnSpc>
+            </a:pPr>
+            <a:r>
+              <a:rPr lang="en-US" spc="-1" dirty="0">
+                <a:solidFill>
+                  <a:srgbClr val="000000"/>
+                </a:solidFill>
+                <a:uFill>
+                  <a:solidFill>
+                    <a:srgbClr val="FFFFFF"/>
+                  </a:solidFill>
+                </a:uFill>
+                <a:latin typeface="Source Code Pro" panose="020B0509030403020204" pitchFamily="49" charset="77"/>
+              </a:rPr>
+              <a:t>Input: "The University of California at Berkeley"</a:t>
+            </a:r>
+          </a:p>
+          <a:p>
+            <a:pPr>
+              <a:lnSpc>
+                <a:spcPct val="100000"/>
+              </a:lnSpc>
+            </a:pPr>
+            <a:endParaRPr lang="en-US" spc="-1" dirty="0">
+              <a:solidFill>
+                <a:srgbClr val="000000"/>
+              </a:solidFill>
+              <a:uFill>
+                <a:solidFill>
+                  <a:srgbClr val="FFFFFF"/>
+                </a:solidFill>
+              </a:uFill>
+              <a:latin typeface="Source Code Pro" panose="020B0509030403020204" pitchFamily="49" charset="77"/>
+            </a:endParaRPr>
+          </a:p>
+          <a:p>
+            <a:pPr>
+              <a:lnSpc>
+                <a:spcPct val="100000"/>
+              </a:lnSpc>
+            </a:pPr>
+            <a:r>
+              <a:rPr lang="en-US" spc="-1" dirty="0">
+                <a:solidFill>
+                  <a:srgbClr val="000000"/>
+                </a:solidFill>
+                <a:uFill>
+                  <a:solidFill>
+                    <a:srgbClr val="FFFFFF"/>
+                  </a:solidFill>
+                </a:uFill>
+                <a:latin typeface="Source Code Pro" panose="020B0509030403020204" pitchFamily="49" charset="77"/>
+              </a:rPr>
+              <a:t>Output: "UCB"</a:t>
+            </a:r>
+          </a:p>
+          <a:p>
+            <a:pPr>
+              <a:lnSpc>
+                <a:spcPct val="100000"/>
+              </a:lnSpc>
+            </a:pPr>
+            <a:r>
+              <a:rPr lang="en-US" spc="-1" dirty="0">
+                <a:solidFill>
+                  <a:srgbClr val="000000"/>
+                </a:solidFill>
+                <a:uFill>
+                  <a:solidFill>
+                    <a:srgbClr val="FFFFFF"/>
+                  </a:solidFill>
+                </a:uFill>
+                <a:latin typeface="Source Code Pro" panose="020B0509030403020204" pitchFamily="49" charset="77"/>
+              </a:rPr>
+              <a:t>def acronym(sentence):</a:t>
+            </a:r>
+          </a:p>
+          <a:p>
+            <a:pPr>
+              <a:lnSpc>
+                <a:spcPct val="100000"/>
+              </a:lnSpc>
+            </a:pPr>
+            <a:r>
+              <a:rPr lang="en-US" spc="-1" dirty="0">
+                <a:solidFill>
+                  <a:srgbClr val="000000"/>
+                </a:solidFill>
+                <a:uFill>
+                  <a:solidFill>
+                    <a:srgbClr val="FFFFFF"/>
+                  </a:solidFill>
+                </a:uFill>
+                <a:latin typeface="Source Code Pro" panose="020B0509030403020204" pitchFamily="49" charset="77"/>
+              </a:rPr>
+              <a:t>    """ (Some </a:t>
+            </a:r>
+            <a:r>
+              <a:rPr lang="en-US" spc="-1" dirty="0" err="1">
+                <a:solidFill>
+                  <a:srgbClr val="000000"/>
+                </a:solidFill>
+                <a:uFill>
+                  <a:solidFill>
+                    <a:srgbClr val="FFFFFF"/>
+                  </a:solidFill>
+                </a:uFill>
+                <a:latin typeface="Source Code Pro" panose="020B0509030403020204" pitchFamily="49" charset="77"/>
+              </a:rPr>
+              <a:t>doctests</a:t>
+            </a:r>
+            <a:r>
+              <a:rPr lang="en-US" spc="-1" dirty="0">
+                <a:solidFill>
+                  <a:srgbClr val="000000"/>
+                </a:solidFill>
+                <a:uFill>
+                  <a:solidFill>
+                    <a:srgbClr val="FFFFFF"/>
+                  </a:solidFill>
+                </a:uFill>
+                <a:latin typeface="Source Code Pro" panose="020B0509030403020204" pitchFamily="49" charset="77"/>
+              </a:rPr>
+              <a:t>)</a:t>
+            </a:r>
+          </a:p>
+          <a:p>
+            <a:pPr>
+              <a:lnSpc>
+                <a:spcPct val="100000"/>
+              </a:lnSpc>
+            </a:pPr>
+            <a:r>
+              <a:rPr lang="en-US" spc="-1" dirty="0">
+                <a:solidFill>
+                  <a:srgbClr val="000000"/>
+                </a:solidFill>
+                <a:uFill>
+                  <a:solidFill>
+                    <a:srgbClr val="FFFFFF"/>
+                  </a:solidFill>
+                </a:uFill>
+                <a:latin typeface="Source Code Pro" panose="020B0509030403020204" pitchFamily="49" charset="77"/>
+              </a:rPr>
+              <a:t>    """</a:t>
+            </a:r>
+          </a:p>
+          <a:p>
+            <a:pPr>
+              <a:lnSpc>
+                <a:spcPct val="100000"/>
+              </a:lnSpc>
+            </a:pPr>
+            <a:r>
+              <a:rPr lang="en-US" spc="-1" dirty="0">
+                <a:solidFill>
+                  <a:srgbClr val="000000"/>
+                </a:solidFill>
+                <a:uFill>
+                  <a:solidFill>
+                    <a:srgbClr val="FFFFFF"/>
+                  </a:solidFill>
+                </a:uFill>
+                <a:latin typeface="Source Code Pro" panose="020B0509030403020204" pitchFamily="49" charset="77"/>
+              </a:rPr>
+              <a:t>    words = </a:t>
+            </a:r>
+            <a:r>
+              <a:rPr lang="en-US" spc="-1" dirty="0" err="1">
+                <a:solidFill>
+                  <a:srgbClr val="000000"/>
+                </a:solidFill>
+                <a:uFill>
+                  <a:solidFill>
+                    <a:srgbClr val="FFFFFF"/>
+                  </a:solidFill>
+                </a:uFill>
+                <a:latin typeface="Source Code Pro" panose="020B0509030403020204" pitchFamily="49" charset="77"/>
+              </a:rPr>
+              <a:t>sentence.split</a:t>
+            </a:r>
+            <a:r>
+              <a:rPr lang="en-US" spc="-1" dirty="0">
+                <a:solidFill>
+                  <a:srgbClr val="000000"/>
+                </a:solidFill>
+                <a:uFill>
+                  <a:solidFill>
+                    <a:srgbClr val="FFFFFF"/>
+                  </a:solidFill>
+                </a:uFill>
+                <a:latin typeface="Source Code Pro" panose="020B0509030403020204" pitchFamily="49" charset="77"/>
+              </a:rPr>
+              <a:t>()</a:t>
+            </a:r>
+          </a:p>
+          <a:p>
+            <a:pPr>
+              <a:lnSpc>
+                <a:spcPct val="100000"/>
+              </a:lnSpc>
+            </a:pPr>
+            <a:r>
+              <a:rPr lang="en-US" spc="-1" dirty="0">
+                <a:solidFill>
+                  <a:srgbClr val="000000"/>
+                </a:solidFill>
+                <a:uFill>
+                  <a:solidFill>
+                    <a:srgbClr val="FFFFFF"/>
+                  </a:solidFill>
+                </a:uFill>
+                <a:latin typeface="Source Code Pro" panose="020B0509030403020204" pitchFamily="49" charset="77"/>
+              </a:rPr>
+              <a:t>    return reduce(add, map(</a:t>
+            </a:r>
+            <a:r>
+              <a:rPr lang="en-US" spc="-1" dirty="0" err="1">
+                <a:solidFill>
+                  <a:srgbClr val="000000"/>
+                </a:solidFill>
+                <a:uFill>
+                  <a:solidFill>
+                    <a:srgbClr val="FFFFFF"/>
+                  </a:solidFill>
+                </a:uFill>
+                <a:latin typeface="Source Code Pro" panose="020B0509030403020204" pitchFamily="49" charset="77"/>
+              </a:rPr>
+              <a:t>first_letter</a:t>
+            </a:r>
+            <a:r>
+              <a:rPr lang="en-US" spc="-1" dirty="0">
+                <a:solidFill>
+                  <a:srgbClr val="000000"/>
+                </a:solidFill>
+                <a:uFill>
+                  <a:solidFill>
+                    <a:srgbClr val="FFFFFF"/>
+                  </a:solidFill>
+                </a:uFill>
+                <a:latin typeface="Source Code Pro" panose="020B0509030403020204" pitchFamily="49" charset="77"/>
+              </a:rPr>
+              <a:t>, filter(</a:t>
+            </a:r>
+            <a:r>
+              <a:rPr lang="en-US" spc="-1" dirty="0" err="1">
+                <a:solidFill>
+                  <a:srgbClr val="000000"/>
+                </a:solidFill>
+                <a:uFill>
+                  <a:solidFill>
+                    <a:srgbClr val="FFFFFF"/>
+                  </a:solidFill>
+                </a:uFill>
+                <a:latin typeface="Source Code Pro" panose="020B0509030403020204" pitchFamily="49" charset="77"/>
+              </a:rPr>
+              <a:t>long_word</a:t>
+            </a:r>
+            <a:r>
+              <a:rPr lang="en-US" spc="-1" dirty="0">
+                <a:solidFill>
+                  <a:srgbClr val="000000"/>
+                </a:solidFill>
+                <a:uFill>
+                  <a:solidFill>
+                    <a:srgbClr val="FFFFFF"/>
+                  </a:solidFill>
+                </a:uFill>
+                <a:latin typeface="Source Code Pro" panose="020B0509030403020204" pitchFamily="49" charset="77"/>
+              </a:rPr>
+              <a:t>, words)))</a:t>
+            </a:r>
+          </a:p>
+          <a:p>
+            <a:pPr>
+              <a:lnSpc>
+                <a:spcPct val="100000"/>
+              </a:lnSpc>
+            </a:pPr>
+            <a:endParaRPr lang="en-US" spc="-1" dirty="0">
+              <a:solidFill>
+                <a:srgbClr val="000000"/>
+              </a:solidFill>
+              <a:uFill>
+                <a:solidFill>
+                  <a:srgbClr val="FFFFFF"/>
+                </a:solidFill>
+              </a:uFill>
+              <a:latin typeface="Source Code Pro" panose="020B0509030403020204" pitchFamily="49" charset="77"/>
+            </a:endParaRPr>
+          </a:p>
+        </p:txBody>
+      </p:sp>
+      <p:sp>
+        <p:nvSpPr>
+          <p:cNvPr id="7" name="TextShape 11">
+            <a:extLst>
+              <a:ext uri="{FF2B5EF4-FFF2-40B4-BE49-F238E27FC236}">
+                <a16:creationId xmlns:a16="http://schemas.microsoft.com/office/drawing/2014/main" id="{55609106-671F-E84E-8744-3B2453668F27}"/>
+              </a:ext>
+            </a:extLst>
+          </p:cNvPr>
+          <p:cNvSpPr txBox="1"/>
+          <p:nvPr/>
+        </p:nvSpPr>
+        <p:spPr>
+          <a:xfrm>
+            <a:off x="2281080" y="5012456"/>
+            <a:ext cx="7171560" cy="602280"/>
+          </a:xfrm>
+          <a:prstGeom prst="rect">
+            <a:avLst/>
+          </a:prstGeom>
+          <a:noFill/>
+          <a:ln>
+            <a:noFill/>
+          </a:ln>
+        </p:spPr>
+        <p:txBody>
+          <a:bodyPr lIns="90000" tIns="45000" rIns="90000" bIns="45000"/>
+          <a:lstStyle/>
+          <a:p>
+            <a:r>
+              <a:rPr lang="en-US" spc="-1" dirty="0">
+                <a:solidFill>
+                  <a:srgbClr val="000000"/>
+                </a:solidFill>
+                <a:uFill>
+                  <a:solidFill>
+                    <a:srgbClr val="FFFFFF"/>
+                  </a:solidFill>
+                </a:uFill>
+                <a:latin typeface="Arial"/>
+              </a:rPr>
+              <a:t>P.S. Pedantry alert: This is really an </a:t>
+            </a:r>
+            <a:r>
+              <a:rPr lang="en-US" i="1" spc="-1" dirty="0">
+                <a:solidFill>
+                  <a:srgbClr val="000000"/>
+                </a:solidFill>
+                <a:uFill>
+                  <a:solidFill>
+                    <a:srgbClr val="FFFFFF"/>
+                  </a:solidFill>
+                </a:uFill>
+                <a:latin typeface="Arial"/>
+              </a:rPr>
+              <a:t>initialism</a:t>
+            </a:r>
+            <a:r>
+              <a:rPr lang="en-US" spc="-1" dirty="0">
+                <a:solidFill>
+                  <a:srgbClr val="000000"/>
+                </a:solidFill>
+                <a:uFill>
+                  <a:solidFill>
+                    <a:srgbClr val="FFFFFF"/>
+                  </a:solidFill>
+                </a:uFill>
+                <a:latin typeface="Arial"/>
+              </a:rPr>
+              <a:t> but that's rather annoying to say and type. </a:t>
+            </a:r>
+            <a:r>
+              <a:rPr lang="en-US" spc="-1" dirty="0">
+                <a:solidFill>
+                  <a:srgbClr val="000000"/>
+                </a:solidFill>
+                <a:uFill>
+                  <a:solidFill>
+                    <a:srgbClr val="FFFFFF"/>
+                  </a:solidFill>
+                </a:uFill>
+                <a:latin typeface="Arial"/>
+                <a:sym typeface="Wingdings" pitchFamily="2" charset="2"/>
+              </a:rPr>
+              <a:t> (However, the code we write is the same, the difference is in how you pronounce the result.) The more you know!</a:t>
+            </a:r>
+            <a:endParaRPr lang="en-US" spc="-1" dirty="0">
+              <a:solidFill>
+                <a:srgbClr val="000000"/>
+              </a:solidFill>
+              <a:uFill>
+                <a:solidFill>
+                  <a:srgbClr val="FFFFFF"/>
+                </a:solidFill>
+              </a:uFill>
+              <a:latin typeface="Arial"/>
+            </a:endParaRPr>
+          </a:p>
+        </p:txBody>
+      </p:sp>
     </p:spTree>
     <p:extLst>
       <p:ext uri="{BB962C8B-B14F-4D97-AF65-F5344CB8AC3E}">
-        <p14:creationId xmlns:p14="http://schemas.microsoft.com/office/powerpoint/2010/main" val="3478770812"/>
+        <p14:creationId xmlns:p14="http://schemas.microsoft.com/office/powerpoint/2010/main" val="3338411237"/>
       </p:ext>
     </p:extLst>
   </p:cSld>
